--- a/Presenttion/Present_team_Bration_01.pptx
+++ b/Presenttion/Present_team_Bration_01.pptx
@@ -7,7 +7,10 @@
   <p:sldIdLst>
     <p:sldId id="256" r:id="rId2"/>
     <p:sldId id="257" r:id="rId3"/>
-    <p:sldId id="258" r:id="rId4"/>
+    <p:sldId id="259" r:id="rId4"/>
+    <p:sldId id="258" r:id="rId5"/>
+    <p:sldId id="261" r:id="rId6"/>
+    <p:sldId id="262" r:id="rId7"/>
   </p:sldIdLst>
   <p:sldSz cx="9144000" cy="6858000" type="screen4x3"/>
   <p:notesSz cx="6858000" cy="9144000"/>
@@ -106,6 +109,22 @@
       </a:defRPr>
     </a:lvl9pPr>
   </p:defaultTextStyle>
+  <p:extLst>
+    <p:ext uri="{EFAFB233-063F-42B5-8137-9DF3F51BA10A}">
+      <p15:sldGuideLst xmlns:p15="http://schemas.microsoft.com/office/powerpoint/2012/main">
+        <p15:guide id="1" orient="horz" pos="2160">
+          <p15:clr>
+            <a:srgbClr val="A4A3A4"/>
+          </p15:clr>
+        </p15:guide>
+        <p15:guide id="2" pos="2880">
+          <p15:clr>
+            <a:srgbClr val="A4A3A4"/>
+          </p15:clr>
+        </p15:guide>
+      </p15:sldGuideLst>
+    </p:ext>
+  </p:extLst>
 </p:presentation>
 </file>
 
@@ -295,7 +314,7 @@
           <a:p>
             <a:fld id="{70BA1CFD-BFF0-48BC-9BA5-4974D7A6AB15}" type="datetimeFigureOut">
               <a:rPr lang="en-US" smtClean="0"/>
-              <a:t>8/19/15</a:t>
+              <a:t>8/22/2015</a:t>
             </a:fld>
             <a:endParaRPr lang="en-US"/>
           </a:p>
@@ -351,7 +370,7 @@
   <p:timing>
     <p:tnLst>
       <p:par>
-        <p:cTn xmlns:p14="http://schemas.microsoft.com/office/powerpoint/2010/main" id="1" dur="indefinite" restart="never" nodeType="tmRoot"/>
+        <p:cTn id="1" dur="indefinite" restart="never" nodeType="tmRoot"/>
       </p:par>
     </p:tnLst>
   </p:timing>
@@ -635,7 +654,7 @@
           <a:p>
             <a:fld id="{70BA1CFD-BFF0-48BC-9BA5-4974D7A6AB15}" type="datetimeFigureOut">
               <a:rPr lang="en-US" smtClean="0"/>
-              <a:t>8/19/15</a:t>
+              <a:t>8/22/2015</a:t>
             </a:fld>
             <a:endParaRPr lang="en-US"/>
           </a:p>
@@ -804,7 +823,7 @@
           <a:p>
             <a:fld id="{70BA1CFD-BFF0-48BC-9BA5-4974D7A6AB15}" type="datetimeFigureOut">
               <a:rPr lang="en-US" smtClean="0"/>
-              <a:t>8/19/15</a:t>
+              <a:t>8/22/2015</a:t>
             </a:fld>
             <a:endParaRPr lang="en-US"/>
           </a:p>
@@ -983,7 +1002,7 @@
           <a:p>
             <a:fld id="{70BA1CFD-BFF0-48BC-9BA5-4974D7A6AB15}" type="datetimeFigureOut">
               <a:rPr lang="en-US" smtClean="0"/>
-              <a:t>8/19/15</a:t>
+              <a:t>8/22/2015</a:t>
             </a:fld>
             <a:endParaRPr lang="en-US"/>
           </a:p>
@@ -1152,7 +1171,7 @@
           <a:p>
             <a:fld id="{70BA1CFD-BFF0-48BC-9BA5-4974D7A6AB15}" type="datetimeFigureOut">
               <a:rPr lang="en-US" smtClean="0"/>
-              <a:t>8/19/15</a:t>
+              <a:t>8/22/2015</a:t>
             </a:fld>
             <a:endParaRPr lang="en-US"/>
           </a:p>
@@ -1429,7 +1448,7 @@
           <a:p>
             <a:fld id="{70BA1CFD-BFF0-48BC-9BA5-4974D7A6AB15}" type="datetimeFigureOut">
               <a:rPr lang="en-US" smtClean="0"/>
-              <a:t>8/19/15</a:t>
+              <a:t>8/22/2015</a:t>
             </a:fld>
             <a:endParaRPr lang="en-US"/>
           </a:p>
@@ -1721,7 +1740,7 @@
           <a:p>
             <a:fld id="{70BA1CFD-BFF0-48BC-9BA5-4974D7A6AB15}" type="datetimeFigureOut">
               <a:rPr lang="en-US" smtClean="0"/>
-              <a:t>8/19/15</a:t>
+              <a:t>8/22/2015</a:t>
             </a:fld>
             <a:endParaRPr lang="en-US"/>
           </a:p>
@@ -2157,7 +2176,7 @@
           <a:p>
             <a:fld id="{70BA1CFD-BFF0-48BC-9BA5-4974D7A6AB15}" type="datetimeFigureOut">
               <a:rPr lang="en-US" smtClean="0"/>
-              <a:t>8/19/15</a:t>
+              <a:t>8/22/2015</a:t>
             </a:fld>
             <a:endParaRPr lang="en-US"/>
           </a:p>
@@ -2270,7 +2289,7 @@
           <a:p>
             <a:fld id="{70BA1CFD-BFF0-48BC-9BA5-4974D7A6AB15}" type="datetimeFigureOut">
               <a:rPr lang="en-US" smtClean="0"/>
-              <a:t>8/19/15</a:t>
+              <a:t>8/22/2015</a:t>
             </a:fld>
             <a:endParaRPr lang="en-US"/>
           </a:p>
@@ -2360,7 +2379,7 @@
           <a:p>
             <a:fld id="{70BA1CFD-BFF0-48BC-9BA5-4974D7A6AB15}" type="datetimeFigureOut">
               <a:rPr lang="en-US" smtClean="0"/>
-              <a:t>8/19/15</a:t>
+              <a:t>8/22/2015</a:t>
             </a:fld>
             <a:endParaRPr lang="en-US"/>
           </a:p>
@@ -2697,7 +2716,7 @@
           <a:p>
             <a:fld id="{70BA1CFD-BFF0-48BC-9BA5-4974D7A6AB15}" type="datetimeFigureOut">
               <a:rPr lang="en-US" smtClean="0"/>
-              <a:t>8/19/15</a:t>
+              <a:t>8/22/2015</a:t>
             </a:fld>
             <a:endParaRPr lang="en-US"/>
           </a:p>
@@ -3012,7 +3031,7 @@
           <a:p>
             <a:fld id="{70BA1CFD-BFF0-48BC-9BA5-4974D7A6AB15}" type="datetimeFigureOut">
               <a:rPr lang="en-US" smtClean="0"/>
-              <a:t>8/19/15</a:t>
+              <a:t>8/22/2015</a:t>
             </a:fld>
             <a:endParaRPr lang="en-US"/>
           </a:p>
@@ -3258,7 +3277,7 @@
           <a:p>
             <a:fld id="{70BA1CFD-BFF0-48BC-9BA5-4974D7A6AB15}" type="datetimeFigureOut">
               <a:rPr lang="en-US" smtClean="0"/>
-              <a:t>8/19/15</a:t>
+              <a:t>8/22/2015</a:t>
             </a:fld>
             <a:endParaRPr lang="en-US"/>
           </a:p>
@@ -3376,7 +3395,7 @@
   <p:timing>
     <p:tnLst>
       <p:par>
-        <p:cTn xmlns:p14="http://schemas.microsoft.com/office/powerpoint/2010/main" id="1" dur="indefinite" restart="never" nodeType="tmRoot"/>
+        <p:cTn id="1" dur="indefinite" restart="never" nodeType="tmRoot"/>
       </p:par>
     </p:tnLst>
   </p:timing>
@@ -3868,8 +3887,8 @@
         </p:nvSpPr>
         <p:spPr>
           <a:xfrm>
-            <a:off x="1961199" y="1803969"/>
-            <a:ext cx="5261291" cy="327871"/>
+            <a:off x="914400" y="1705510"/>
+            <a:ext cx="7777537" cy="868119"/>
           </a:xfrm>
           <a:prstGeom prst="rect">
             <a:avLst/>
@@ -3932,8 +3951,31 @@
                   </a:outerShdw>
                 </a:effectLst>
               </a:rPr>
-              <a:t>QA </a:t>
-            </a:r>
+              <a:t>QA Fundamentals Course @ </a:t>
+            </a:r>
+            <a:r>
+              <a:rPr lang="en-US" sz="3200" dirty="0" err="1" smtClean="0">
+                <a:effectLst>
+                  <a:outerShdw blurRad="50800" dist="38100" dir="2700000" algn="tl" rotWithShape="0">
+                    <a:prstClr val="black">
+                      <a:alpha val="40000"/>
+                    </a:prstClr>
+                  </a:outerShdw>
+                </a:effectLst>
+              </a:rPr>
+              <a:t>SoftUni</a:t>
+            </a:r>
+            <a:endParaRPr lang="en-US" sz="3200" dirty="0" smtClean="0">
+              <a:effectLst>
+                <a:outerShdw blurRad="50800" dist="38100" dir="2700000" algn="tl" rotWithShape="0">
+                  <a:prstClr val="black">
+                    <a:alpha val="40000"/>
+                  </a:prstClr>
+                </a:outerShdw>
+              </a:effectLst>
+            </a:endParaRPr>
+          </a:p>
+          <a:p>
             <a:r>
               <a:rPr lang="en-US" sz="3200" dirty="0" smtClean="0">
                 <a:effectLst>
@@ -3944,7 +3986,7 @@
                   </a:outerShdw>
                 </a:effectLst>
               </a:rPr>
-              <a:t>Fundamentals - 2015</a:t>
+              <a:t>2015</a:t>
             </a:r>
             <a:endParaRPr lang="en-US" sz="3200" dirty="0">
               <a:effectLst>
@@ -3971,7 +4013,7 @@
   <p:timing>
     <p:tnLst>
       <p:par>
-        <p:cTn xmlns:p14="http://schemas.microsoft.com/office/powerpoint/2010/main" id="1" dur="indefinite" restart="never" nodeType="tmRoot"/>
+        <p:cTn id="1" dur="indefinite" restart="never" nodeType="tmRoot"/>
       </p:par>
     </p:tnLst>
   </p:timing>
@@ -4006,7 +4048,7 @@
           </p:nvPr>
         </p:nvPicPr>
         <p:blipFill rotWithShape="1">
-          <a:blip r:embed="rId2">
+          <a:blip r:embed="rId2" cstate="email">
             <a:extLst>
               <a:ext uri="{28A0092B-C50C-407E-A947-70E740481C1C}">
                 <a14:useLocalDpi xmlns:a14="http://schemas.microsoft.com/office/drawing/2010/main" val="0"/>
@@ -4457,7 +4499,7 @@
       </p:pic>
       <p:sp>
         <p:nvSpPr>
-          <p:cNvPr id="24" name="Title 1"/>
+          <p:cNvPr id="26" name="Subtitle 2"/>
           <p:cNvSpPr txBox="1">
             <a:spLocks/>
           </p:cNvSpPr>
@@ -4465,8 +4507,279 @@
         </p:nvSpPr>
         <p:spPr>
           <a:xfrm>
-            <a:off x="3368511" y="6491937"/>
-            <a:ext cx="2401013" cy="327871"/>
+            <a:off x="1503688" y="1220659"/>
+            <a:ext cx="6130659" cy="536211"/>
+          </a:xfrm>
+          <a:prstGeom prst="rect">
+            <a:avLst/>
+          </a:prstGeom>
+        </p:spPr>
+        <p:txBody>
+          <a:bodyPr vert="horz" lIns="91440" tIns="45720" rIns="91440" bIns="45720" rtlCol="0">
+            <a:normAutofit/>
+          </a:bodyPr>
+          <a:lstStyle>
+            <a:lvl1pPr marL="403225" indent="-403225" algn="l" defTabSz="914400" rtl="0" eaLnBrk="1" latinLnBrk="0" hangingPunct="1">
+              <a:spcBef>
+                <a:spcPts val="2000"/>
+              </a:spcBef>
+              <a:buFontTx/>
+              <a:buBlip>
+                <a:blip r:embed="rId4"/>
+              </a:buBlip>
+              <a:defRPr sz="2400" b="1" kern="1200">
+                <a:solidFill>
+                  <a:schemeClr val="tx1"/>
+                </a:solidFill>
+                <a:effectLst>
+                  <a:outerShdw blurRad="101600" dist="63500" dir="2700000" algn="tl" rotWithShape="0">
+                    <a:prstClr val="black">
+                      <a:alpha val="75000"/>
+                    </a:prstClr>
+                  </a:outerShdw>
+                </a:effectLst>
+                <a:latin typeface="+mn-lt"/>
+                <a:ea typeface="+mn-ea"/>
+                <a:cs typeface="+mn-cs"/>
+              </a:defRPr>
+            </a:lvl1pPr>
+            <a:lvl2pPr marL="806450" indent="-403225" algn="l" defTabSz="914400" rtl="0" eaLnBrk="1" latinLnBrk="0" hangingPunct="1">
+              <a:spcBef>
+                <a:spcPts val="600"/>
+              </a:spcBef>
+              <a:buFontTx/>
+              <a:buBlip>
+                <a:blip r:embed="rId4"/>
+              </a:buBlip>
+              <a:defRPr sz="2200" b="1" kern="1200">
+                <a:solidFill>
+                  <a:schemeClr val="tx1"/>
+                </a:solidFill>
+                <a:effectLst>
+                  <a:outerShdw blurRad="101600" dist="63500" dir="2700000" algn="tl" rotWithShape="0">
+                    <a:prstClr val="black">
+                      <a:alpha val="75000"/>
+                    </a:prstClr>
+                  </a:outerShdw>
+                </a:effectLst>
+                <a:latin typeface="+mn-lt"/>
+                <a:ea typeface="+mn-ea"/>
+                <a:cs typeface="+mn-cs"/>
+              </a:defRPr>
+            </a:lvl2pPr>
+            <a:lvl3pPr marL="1143000" indent="-336550" algn="l" defTabSz="914400" rtl="0" eaLnBrk="1" latinLnBrk="0" hangingPunct="1">
+              <a:spcBef>
+                <a:spcPts val="600"/>
+              </a:spcBef>
+              <a:buFontTx/>
+              <a:buBlip>
+                <a:blip r:embed="rId4"/>
+              </a:buBlip>
+              <a:defRPr sz="2000" b="1" kern="1200">
+                <a:solidFill>
+                  <a:schemeClr val="tx1"/>
+                </a:solidFill>
+                <a:effectLst>
+                  <a:outerShdw blurRad="101600" dist="63500" dir="2700000" algn="tl" rotWithShape="0">
+                    <a:prstClr val="black">
+                      <a:alpha val="75000"/>
+                    </a:prstClr>
+                  </a:outerShdw>
+                </a:effectLst>
+                <a:latin typeface="+mn-lt"/>
+                <a:ea typeface="+mn-ea"/>
+                <a:cs typeface="+mn-cs"/>
+              </a:defRPr>
+            </a:lvl3pPr>
+            <a:lvl4pPr marL="1492250" indent="-349250" algn="l" defTabSz="914400" rtl="0" eaLnBrk="1" latinLnBrk="0" hangingPunct="1">
+              <a:spcBef>
+                <a:spcPts val="600"/>
+              </a:spcBef>
+              <a:buFontTx/>
+              <a:buBlip>
+                <a:blip r:embed="rId4"/>
+              </a:buBlip>
+              <a:defRPr sz="1800" b="1" kern="1200">
+                <a:solidFill>
+                  <a:schemeClr val="tx1"/>
+                </a:solidFill>
+                <a:effectLst>
+                  <a:outerShdw blurRad="101600" dist="63500" dir="2700000" algn="tl" rotWithShape="0">
+                    <a:prstClr val="black">
+                      <a:alpha val="75000"/>
+                    </a:prstClr>
+                  </a:outerShdw>
+                </a:effectLst>
+                <a:latin typeface="+mn-lt"/>
+                <a:ea typeface="+mn-ea"/>
+                <a:cs typeface="+mn-cs"/>
+              </a:defRPr>
+            </a:lvl4pPr>
+            <a:lvl5pPr marL="1828800" indent="-336550" algn="l" defTabSz="914400" rtl="0" eaLnBrk="1" latinLnBrk="0" hangingPunct="1">
+              <a:spcBef>
+                <a:spcPts val="600"/>
+              </a:spcBef>
+              <a:buFontTx/>
+              <a:buBlip>
+                <a:blip r:embed="rId4"/>
+              </a:buBlip>
+              <a:defRPr sz="1800" b="1" kern="1200">
+                <a:solidFill>
+                  <a:schemeClr val="tx1"/>
+                </a:solidFill>
+                <a:effectLst>
+                  <a:outerShdw blurRad="101600" dist="63500" dir="2700000" algn="tl" rotWithShape="0">
+                    <a:prstClr val="black">
+                      <a:alpha val="75000"/>
+                    </a:prstClr>
+                  </a:outerShdw>
+                </a:effectLst>
+                <a:latin typeface="+mn-lt"/>
+                <a:ea typeface="+mn-ea"/>
+                <a:cs typeface="+mn-cs"/>
+              </a:defRPr>
+            </a:lvl5pPr>
+            <a:lvl6pPr marL="2173288" indent="-344488" algn="l" defTabSz="914400" rtl="0" eaLnBrk="1" latinLnBrk="0" hangingPunct="1">
+              <a:spcBef>
+                <a:spcPct val="20000"/>
+              </a:spcBef>
+              <a:buFontTx/>
+              <a:buBlip>
+                <a:blip r:embed="rId4"/>
+              </a:buBlip>
+              <a:defRPr lang="en-US" sz="1800" b="1" kern="1200" dirty="0" smtClean="0">
+                <a:solidFill>
+                  <a:schemeClr val="tx1"/>
+                </a:solidFill>
+                <a:effectLst>
+                  <a:outerShdw blurRad="101600" dist="63500" dir="2700000" algn="tl" rotWithShape="0">
+                    <a:prstClr val="black">
+                      <a:alpha val="75000"/>
+                    </a:prstClr>
+                  </a:outerShdw>
+                </a:effectLst>
+                <a:latin typeface="+mn-lt"/>
+                <a:ea typeface="+mn-ea"/>
+                <a:cs typeface="+mn-cs"/>
+              </a:defRPr>
+            </a:lvl6pPr>
+            <a:lvl7pPr marL="2516188" indent="-344488" algn="l" defTabSz="914400" rtl="0" eaLnBrk="1" latinLnBrk="0" hangingPunct="1">
+              <a:spcBef>
+                <a:spcPct val="20000"/>
+              </a:spcBef>
+              <a:buFontTx/>
+              <a:buBlip>
+                <a:blip r:embed="rId4"/>
+              </a:buBlip>
+              <a:defRPr lang="en-US" sz="1800" b="1" kern="1200" dirty="0" smtClean="0">
+                <a:solidFill>
+                  <a:schemeClr val="tx1"/>
+                </a:solidFill>
+                <a:effectLst>
+                  <a:outerShdw blurRad="101600" dist="63500" dir="2700000" algn="tl" rotWithShape="0">
+                    <a:prstClr val="black">
+                      <a:alpha val="75000"/>
+                    </a:prstClr>
+                  </a:outerShdw>
+                </a:effectLst>
+                <a:latin typeface="+mn-lt"/>
+                <a:ea typeface="+mn-ea"/>
+                <a:cs typeface="+mn-cs"/>
+              </a:defRPr>
+            </a:lvl7pPr>
+            <a:lvl8pPr marL="2860675" indent="-344488" algn="l" defTabSz="914400" rtl="0" eaLnBrk="1" latinLnBrk="0" hangingPunct="1">
+              <a:spcBef>
+                <a:spcPct val="20000"/>
+              </a:spcBef>
+              <a:buFontTx/>
+              <a:buBlip>
+                <a:blip r:embed="rId4"/>
+              </a:buBlip>
+              <a:defRPr lang="en-US" sz="1800" b="1" kern="1200" dirty="0" smtClean="0">
+                <a:solidFill>
+                  <a:schemeClr val="tx1"/>
+                </a:solidFill>
+                <a:effectLst>
+                  <a:outerShdw blurRad="101600" dist="63500" dir="2700000" algn="tl" rotWithShape="0">
+                    <a:prstClr val="black">
+                      <a:alpha val="75000"/>
+                    </a:prstClr>
+                  </a:outerShdw>
+                </a:effectLst>
+                <a:latin typeface="+mn-lt"/>
+                <a:ea typeface="+mn-ea"/>
+                <a:cs typeface="+mn-cs"/>
+              </a:defRPr>
+            </a:lvl8pPr>
+            <a:lvl9pPr marL="3205163" indent="-344488" algn="l" defTabSz="914400" rtl="0" eaLnBrk="1" latinLnBrk="0" hangingPunct="1">
+              <a:spcBef>
+                <a:spcPct val="20000"/>
+              </a:spcBef>
+              <a:buFontTx/>
+              <a:buBlip>
+                <a:blip r:embed="rId4"/>
+              </a:buBlip>
+              <a:defRPr lang="en-US" sz="1800" b="1" kern="1200" dirty="0">
+                <a:solidFill>
+                  <a:schemeClr val="tx1"/>
+                </a:solidFill>
+                <a:effectLst>
+                  <a:outerShdw blurRad="101600" dist="63500" dir="2700000" algn="tl" rotWithShape="0">
+                    <a:prstClr val="black">
+                      <a:alpha val="75000"/>
+                    </a:prstClr>
+                  </a:outerShdw>
+                </a:effectLst>
+                <a:latin typeface="+mn-lt"/>
+                <a:ea typeface="+mn-ea"/>
+                <a:cs typeface="+mn-cs"/>
+              </a:defRPr>
+            </a:lvl9pPr>
+          </a:lstStyle>
+          <a:p>
+            <a:pPr marL="0" indent="0" algn="ctr">
+              <a:buNone/>
+            </a:pPr>
+            <a:r>
+              <a:rPr lang="en-US" dirty="0" smtClean="0"/>
+              <a:t>https://</a:t>
+            </a:r>
+            <a:r>
+              <a:rPr lang="en-US" dirty="0" err="1" smtClean="0"/>
+              <a:t>github.com</a:t>
+            </a:r>
+            <a:r>
+              <a:rPr lang="en-US" dirty="0" smtClean="0"/>
+              <a:t>/</a:t>
+            </a:r>
+            <a:r>
+              <a:rPr lang="en-US" dirty="0" err="1" smtClean="0"/>
+              <a:t>lgoychev</a:t>
+            </a:r>
+            <a:r>
+              <a:rPr lang="en-US" dirty="0" smtClean="0"/>
+              <a:t>/Team-</a:t>
+            </a:r>
+            <a:r>
+              <a:rPr lang="en-US" dirty="0" err="1" smtClean="0"/>
+              <a:t>Bration</a:t>
+            </a:r>
+            <a:endParaRPr lang="en-US" dirty="0"/>
+          </a:p>
+        </p:txBody>
+      </p:sp>
+      <p:sp>
+        <p:nvSpPr>
+          <p:cNvPr id="14" name="Title 1"/>
+          <p:cNvSpPr txBox="1">
+            <a:spLocks/>
+          </p:cNvSpPr>
+          <p:nvPr/>
+        </p:nvSpPr>
+        <p:spPr>
+          <a:xfrm>
+            <a:off x="2494099" y="6491937"/>
+            <a:ext cx="4155803" cy="327871"/>
           </a:xfrm>
           <a:prstGeom prst="rect">
             <a:avLst/>
@@ -4519,293 +4832,27 @@
             </a:lvl1pPr>
           </a:lstStyle>
           <a:p>
-            <a:pPr algn="l"/>
             <a:r>
               <a:rPr lang="en-US" sz="1600" b="0" dirty="0">
                 <a:effectLst/>
               </a:rPr>
-              <a:t>QA </a:t>
+              <a:t>QA Fundamentals Course @ </a:t>
+            </a:r>
+            <a:r>
+              <a:rPr lang="en-US" sz="1600" b="0" dirty="0" err="1" smtClean="0">
+                <a:effectLst/>
+              </a:rPr>
+              <a:t>SoftUni</a:t>
             </a:r>
             <a:r>
               <a:rPr lang="en-US" sz="1600" b="0" dirty="0" smtClean="0">
                 <a:effectLst/>
               </a:rPr>
-              <a:t>Fundamentals - 2015</a:t>
+              <a:t> 2015</a:t>
             </a:r>
             <a:endParaRPr lang="en-US" sz="1600" b="0" dirty="0">
               <a:effectLst/>
             </a:endParaRPr>
-          </a:p>
-        </p:txBody>
-      </p:sp>
-      <p:sp>
-        <p:nvSpPr>
-          <p:cNvPr id="26" name="Subtitle 2"/>
-          <p:cNvSpPr txBox="1">
-            <a:spLocks/>
-          </p:cNvSpPr>
-          <p:nvPr/>
-        </p:nvSpPr>
-        <p:spPr>
-          <a:xfrm>
-            <a:off x="1503688" y="1220659"/>
-            <a:ext cx="6130659" cy="536211"/>
-          </a:xfrm>
-          <a:prstGeom prst="rect">
-            <a:avLst/>
-          </a:prstGeom>
-        </p:spPr>
-        <p:txBody>
-          <a:bodyPr vert="horz" lIns="91440" tIns="45720" rIns="91440" bIns="45720" rtlCol="0">
-            <a:normAutofit/>
-          </a:bodyPr>
-          <a:lstStyle>
-            <a:lvl1pPr marL="403225" indent="-403225" algn="l" defTabSz="914400" rtl="0" eaLnBrk="1" latinLnBrk="0" hangingPunct="1">
-              <a:spcBef>
-                <a:spcPts val="2000"/>
-              </a:spcBef>
-              <a:buFontTx/>
-              <a:buBlip>
-                <a:blip r:embed="rId4"/>
-              </a:buBlip>
-              <a:defRPr sz="2400" b="1" kern="1200">
-                <a:solidFill>
-                  <a:schemeClr val="tx1"/>
-                </a:solidFill>
-                <a:effectLst>
-                  <a:outerShdw blurRad="101600" dist="63500" dir="2700000" algn="tl" rotWithShape="0">
-                    <a:prstClr val="black">
-                      <a:alpha val="75000"/>
-                    </a:prstClr>
-                  </a:outerShdw>
-                </a:effectLst>
-                <a:latin typeface="+mn-lt"/>
-                <a:ea typeface="+mn-ea"/>
-                <a:cs typeface="+mn-cs"/>
-              </a:defRPr>
-            </a:lvl1pPr>
-            <a:lvl2pPr marL="806450" indent="-403225" algn="l" defTabSz="914400" rtl="0" eaLnBrk="1" latinLnBrk="0" hangingPunct="1">
-              <a:spcBef>
-                <a:spcPts val="600"/>
-              </a:spcBef>
-              <a:buFontTx/>
-              <a:buBlip>
-                <a:blip r:embed="rId4"/>
-              </a:buBlip>
-              <a:defRPr sz="2200" b="1" kern="1200">
-                <a:solidFill>
-                  <a:schemeClr val="tx1"/>
-                </a:solidFill>
-                <a:effectLst>
-                  <a:outerShdw blurRad="101600" dist="63500" dir="2700000" algn="tl" rotWithShape="0">
-                    <a:prstClr val="black">
-                      <a:alpha val="75000"/>
-                    </a:prstClr>
-                  </a:outerShdw>
-                </a:effectLst>
-                <a:latin typeface="+mn-lt"/>
-                <a:ea typeface="+mn-ea"/>
-                <a:cs typeface="+mn-cs"/>
-              </a:defRPr>
-            </a:lvl2pPr>
-            <a:lvl3pPr marL="1143000" indent="-336550" algn="l" defTabSz="914400" rtl="0" eaLnBrk="1" latinLnBrk="0" hangingPunct="1">
-              <a:spcBef>
-                <a:spcPts val="600"/>
-              </a:spcBef>
-              <a:buFontTx/>
-              <a:buBlip>
-                <a:blip r:embed="rId4"/>
-              </a:buBlip>
-              <a:defRPr sz="2000" b="1" kern="1200">
-                <a:solidFill>
-                  <a:schemeClr val="tx1"/>
-                </a:solidFill>
-                <a:effectLst>
-                  <a:outerShdw blurRad="101600" dist="63500" dir="2700000" algn="tl" rotWithShape="0">
-                    <a:prstClr val="black">
-                      <a:alpha val="75000"/>
-                    </a:prstClr>
-                  </a:outerShdw>
-                </a:effectLst>
-                <a:latin typeface="+mn-lt"/>
-                <a:ea typeface="+mn-ea"/>
-                <a:cs typeface="+mn-cs"/>
-              </a:defRPr>
-            </a:lvl3pPr>
-            <a:lvl4pPr marL="1492250" indent="-349250" algn="l" defTabSz="914400" rtl="0" eaLnBrk="1" latinLnBrk="0" hangingPunct="1">
-              <a:spcBef>
-                <a:spcPts val="600"/>
-              </a:spcBef>
-              <a:buFontTx/>
-              <a:buBlip>
-                <a:blip r:embed="rId4"/>
-              </a:buBlip>
-              <a:defRPr sz="1800" b="1" kern="1200">
-                <a:solidFill>
-                  <a:schemeClr val="tx1"/>
-                </a:solidFill>
-                <a:effectLst>
-                  <a:outerShdw blurRad="101600" dist="63500" dir="2700000" algn="tl" rotWithShape="0">
-                    <a:prstClr val="black">
-                      <a:alpha val="75000"/>
-                    </a:prstClr>
-                  </a:outerShdw>
-                </a:effectLst>
-                <a:latin typeface="+mn-lt"/>
-                <a:ea typeface="+mn-ea"/>
-                <a:cs typeface="+mn-cs"/>
-              </a:defRPr>
-            </a:lvl4pPr>
-            <a:lvl5pPr marL="1828800" indent="-336550" algn="l" defTabSz="914400" rtl="0" eaLnBrk="1" latinLnBrk="0" hangingPunct="1">
-              <a:spcBef>
-                <a:spcPts val="600"/>
-              </a:spcBef>
-              <a:buFontTx/>
-              <a:buBlip>
-                <a:blip r:embed="rId4"/>
-              </a:buBlip>
-              <a:defRPr sz="1800" b="1" kern="1200">
-                <a:solidFill>
-                  <a:schemeClr val="tx1"/>
-                </a:solidFill>
-                <a:effectLst>
-                  <a:outerShdw blurRad="101600" dist="63500" dir="2700000" algn="tl" rotWithShape="0">
-                    <a:prstClr val="black">
-                      <a:alpha val="75000"/>
-                    </a:prstClr>
-                  </a:outerShdw>
-                </a:effectLst>
-                <a:latin typeface="+mn-lt"/>
-                <a:ea typeface="+mn-ea"/>
-                <a:cs typeface="+mn-cs"/>
-              </a:defRPr>
-            </a:lvl5pPr>
-            <a:lvl6pPr marL="2173288" indent="-344488" algn="l" defTabSz="914400" rtl="0" eaLnBrk="1" latinLnBrk="0" hangingPunct="1">
-              <a:spcBef>
-                <a:spcPct val="20000"/>
-              </a:spcBef>
-              <a:buFontTx/>
-              <a:buBlip>
-                <a:blip r:embed="rId4"/>
-              </a:buBlip>
-              <a:defRPr lang="en-US" sz="1800" b="1" kern="1200" dirty="0" smtClean="0">
-                <a:solidFill>
-                  <a:schemeClr val="tx1"/>
-                </a:solidFill>
-                <a:effectLst>
-                  <a:outerShdw blurRad="101600" dist="63500" dir="2700000" algn="tl" rotWithShape="0">
-                    <a:prstClr val="black">
-                      <a:alpha val="75000"/>
-                    </a:prstClr>
-                  </a:outerShdw>
-                </a:effectLst>
-                <a:latin typeface="+mn-lt"/>
-                <a:ea typeface="+mn-ea"/>
-                <a:cs typeface="+mn-cs"/>
-              </a:defRPr>
-            </a:lvl6pPr>
-            <a:lvl7pPr marL="2516188" indent="-344488" algn="l" defTabSz="914400" rtl="0" eaLnBrk="1" latinLnBrk="0" hangingPunct="1">
-              <a:spcBef>
-                <a:spcPct val="20000"/>
-              </a:spcBef>
-              <a:buFontTx/>
-              <a:buBlip>
-                <a:blip r:embed="rId4"/>
-              </a:buBlip>
-              <a:defRPr lang="en-US" sz="1800" b="1" kern="1200" dirty="0" smtClean="0">
-                <a:solidFill>
-                  <a:schemeClr val="tx1"/>
-                </a:solidFill>
-                <a:effectLst>
-                  <a:outerShdw blurRad="101600" dist="63500" dir="2700000" algn="tl" rotWithShape="0">
-                    <a:prstClr val="black">
-                      <a:alpha val="75000"/>
-                    </a:prstClr>
-                  </a:outerShdw>
-                </a:effectLst>
-                <a:latin typeface="+mn-lt"/>
-                <a:ea typeface="+mn-ea"/>
-                <a:cs typeface="+mn-cs"/>
-              </a:defRPr>
-            </a:lvl7pPr>
-            <a:lvl8pPr marL="2860675" indent="-344488" algn="l" defTabSz="914400" rtl="0" eaLnBrk="1" latinLnBrk="0" hangingPunct="1">
-              <a:spcBef>
-                <a:spcPct val="20000"/>
-              </a:spcBef>
-              <a:buFontTx/>
-              <a:buBlip>
-                <a:blip r:embed="rId4"/>
-              </a:buBlip>
-              <a:defRPr lang="en-US" sz="1800" b="1" kern="1200" dirty="0" smtClean="0">
-                <a:solidFill>
-                  <a:schemeClr val="tx1"/>
-                </a:solidFill>
-                <a:effectLst>
-                  <a:outerShdw blurRad="101600" dist="63500" dir="2700000" algn="tl" rotWithShape="0">
-                    <a:prstClr val="black">
-                      <a:alpha val="75000"/>
-                    </a:prstClr>
-                  </a:outerShdw>
-                </a:effectLst>
-                <a:latin typeface="+mn-lt"/>
-                <a:ea typeface="+mn-ea"/>
-                <a:cs typeface="+mn-cs"/>
-              </a:defRPr>
-            </a:lvl8pPr>
-            <a:lvl9pPr marL="3205163" indent="-344488" algn="l" defTabSz="914400" rtl="0" eaLnBrk="1" latinLnBrk="0" hangingPunct="1">
-              <a:spcBef>
-                <a:spcPct val="20000"/>
-              </a:spcBef>
-              <a:buFontTx/>
-              <a:buBlip>
-                <a:blip r:embed="rId4"/>
-              </a:buBlip>
-              <a:defRPr lang="en-US" sz="1800" b="1" kern="1200" dirty="0">
-                <a:solidFill>
-                  <a:schemeClr val="tx1"/>
-                </a:solidFill>
-                <a:effectLst>
-                  <a:outerShdw blurRad="101600" dist="63500" dir="2700000" algn="tl" rotWithShape="0">
-                    <a:prstClr val="black">
-                      <a:alpha val="75000"/>
-                    </a:prstClr>
-                  </a:outerShdw>
-                </a:effectLst>
-                <a:latin typeface="+mn-lt"/>
-                <a:ea typeface="+mn-ea"/>
-                <a:cs typeface="+mn-cs"/>
-              </a:defRPr>
-            </a:lvl9pPr>
-          </a:lstStyle>
-          <a:p>
-            <a:pPr marL="0" indent="0" algn="ctr">
-              <a:buNone/>
-            </a:pPr>
-            <a:r>
-              <a:rPr lang="en-US" dirty="0" smtClean="0"/>
-              <a:t>https://</a:t>
-            </a:r>
-            <a:r>
-              <a:rPr lang="en-US" dirty="0" err="1" smtClean="0"/>
-              <a:t>github.com</a:t>
-            </a:r>
-            <a:r>
-              <a:rPr lang="en-US" dirty="0" smtClean="0"/>
-              <a:t>/</a:t>
-            </a:r>
-            <a:r>
-              <a:rPr lang="en-US" dirty="0" err="1" smtClean="0"/>
-              <a:t>lgoychev</a:t>
-            </a:r>
-            <a:r>
-              <a:rPr lang="en-US" dirty="0" smtClean="0"/>
-              <a:t>/Team-</a:t>
-            </a:r>
-            <a:r>
-              <a:rPr lang="en-US" dirty="0" err="1" smtClean="0"/>
-              <a:t>Bration</a:t>
-            </a:r>
-            <a:endParaRPr lang="en-US" dirty="0"/>
           </a:p>
         </p:txBody>
       </p:sp>
@@ -4822,7 +4869,7 @@
   <p:timing>
     <p:tnLst>
       <p:par>
-        <p:cTn xmlns:p14="http://schemas.microsoft.com/office/powerpoint/2010/main" id="1" dur="indefinite" restart="never" nodeType="tmRoot">
+        <p:cTn id="1" dur="indefinite" restart="never" nodeType="tmRoot">
           <p:childTnLst>
             <p:seq concurrent="1" nextAc="seek">
               <p:cTn id="2" dur="indefinite" nodeType="mainSeq">
@@ -5103,6 +5150,602 @@
           <a:chExt cx="0" cy="0"/>
         </a:xfrm>
       </p:grpSpPr>
+      <p:pic>
+        <p:nvPicPr>
+          <p:cNvPr id="22" name="Picture 21"/>
+          <p:cNvPicPr>
+            <a:picLocks noChangeAspect="1"/>
+          </p:cNvPicPr>
+          <p:nvPr/>
+        </p:nvPicPr>
+        <p:blipFill>
+          <a:blip r:embed="rId2"/>
+          <a:stretch>
+            <a:fillRect/>
+          </a:stretch>
+        </p:blipFill>
+        <p:spPr>
+          <a:xfrm>
+            <a:off x="7524314" y="171774"/>
+            <a:ext cx="1451391" cy="276080"/>
+          </a:xfrm>
+          <a:prstGeom prst="rect">
+            <a:avLst/>
+          </a:prstGeom>
+        </p:spPr>
+      </p:pic>
+      <p:sp>
+        <p:nvSpPr>
+          <p:cNvPr id="24" name="Title 1"/>
+          <p:cNvSpPr txBox="1">
+            <a:spLocks/>
+          </p:cNvSpPr>
+          <p:nvPr/>
+        </p:nvSpPr>
+        <p:spPr>
+          <a:xfrm>
+            <a:off x="2494099" y="6491937"/>
+            <a:ext cx="4155803" cy="327871"/>
+          </a:xfrm>
+          <a:prstGeom prst="rect">
+            <a:avLst/>
+          </a:prstGeom>
+          <a:noFill/>
+          <a:ln>
+            <a:noFill/>
+          </a:ln>
+          <a:effectLst/>
+        </p:spPr>
+        <p:style>
+          <a:lnRef idx="2">
+            <a:schemeClr val="dk1"/>
+          </a:lnRef>
+          <a:fillRef idx="1">
+            <a:schemeClr val="lt1"/>
+          </a:fillRef>
+          <a:effectRef idx="0">
+            <a:schemeClr val="dk1"/>
+          </a:effectRef>
+          <a:fontRef idx="minor">
+            <a:schemeClr val="dk1"/>
+          </a:fontRef>
+        </p:style>
+        <p:txBody>
+          <a:bodyPr vert="horz" lIns="91440" tIns="45720" rIns="91440" bIns="45720" rtlCol="0" anchor="ctr">
+            <a:noAutofit/>
+          </a:bodyPr>
+          <a:lstStyle>
+            <a:lvl1pPr algn="ctr" defTabSz="914400" rtl="0" eaLnBrk="1" latinLnBrk="0" hangingPunct="1">
+              <a:spcBef>
+                <a:spcPct val="0"/>
+              </a:spcBef>
+              <a:buNone/>
+              <a:defRPr sz="5600" b="1" kern="1200">
+                <a:solidFill>
+                  <a:schemeClr val="tx1"/>
+                </a:solidFill>
+                <a:effectLst>
+                  <a:outerShdw blurRad="101600" dist="63500" dir="2700000" algn="tl" rotWithShape="0">
+                    <a:prstClr val="black">
+                      <a:alpha val="75000"/>
+                    </a:prstClr>
+                  </a:outerShdw>
+                </a:effectLst>
+                <a:latin typeface="+mj-lt"/>
+                <a:ea typeface="+mj-ea"/>
+                <a:cs typeface="+mj-cs"/>
+              </a:defRPr>
+            </a:lvl1pPr>
+          </a:lstStyle>
+          <a:p>
+            <a:r>
+              <a:rPr lang="en-US" sz="1600" b="0" dirty="0">
+                <a:effectLst/>
+              </a:rPr>
+              <a:t>QA Fundamentals Course @ </a:t>
+            </a:r>
+            <a:r>
+              <a:rPr lang="en-US" sz="1600" b="0" dirty="0" err="1" smtClean="0">
+                <a:effectLst/>
+              </a:rPr>
+              <a:t>SoftUni</a:t>
+            </a:r>
+            <a:r>
+              <a:rPr lang="en-US" sz="1600" b="0" dirty="0" smtClean="0">
+                <a:effectLst/>
+              </a:rPr>
+              <a:t> 2015</a:t>
+            </a:r>
+            <a:endParaRPr lang="en-US" sz="1600" b="0" dirty="0">
+              <a:effectLst/>
+            </a:endParaRPr>
+          </a:p>
+        </p:txBody>
+      </p:sp>
+      <p:pic>
+        <p:nvPicPr>
+          <p:cNvPr id="15" name="Picture 14" descr="MoleculeTracer.png"/>
+          <p:cNvPicPr>
+            <a:picLocks noChangeAspect="1"/>
+          </p:cNvPicPr>
+          <p:nvPr/>
+        </p:nvPicPr>
+        <p:blipFill>
+          <a:blip r:embed="rId3"/>
+          <a:stretch>
+            <a:fillRect/>
+          </a:stretch>
+        </p:blipFill>
+        <p:spPr>
+          <a:xfrm>
+            <a:off x="0" y="41894"/>
+            <a:ext cx="1191802" cy="810861"/>
+          </a:xfrm>
+          <a:prstGeom prst="rect">
+            <a:avLst/>
+          </a:prstGeom>
+        </p:spPr>
+      </p:pic>
+      <p:sp>
+        <p:nvSpPr>
+          <p:cNvPr id="23" name="Title 1"/>
+          <p:cNvSpPr txBox="1">
+            <a:spLocks/>
+          </p:cNvSpPr>
+          <p:nvPr/>
+        </p:nvSpPr>
+        <p:spPr>
+          <a:xfrm>
+            <a:off x="424446" y="65991"/>
+            <a:ext cx="2622408" cy="763726"/>
+          </a:xfrm>
+          <a:prstGeom prst="rect">
+            <a:avLst/>
+          </a:prstGeom>
+        </p:spPr>
+        <p:txBody>
+          <a:bodyPr vert="horz" lIns="91440" tIns="45720" rIns="91440" bIns="45720" rtlCol="0" anchor="ctr">
+            <a:noAutofit/>
+          </a:bodyPr>
+          <a:lstStyle>
+            <a:lvl1pPr algn="ctr" defTabSz="914400" rtl="0" eaLnBrk="1" latinLnBrk="0" hangingPunct="1">
+              <a:spcBef>
+                <a:spcPct val="0"/>
+              </a:spcBef>
+              <a:buNone/>
+              <a:defRPr sz="5600" b="1" kern="1200">
+                <a:solidFill>
+                  <a:schemeClr val="tx1"/>
+                </a:solidFill>
+                <a:effectLst>
+                  <a:outerShdw blurRad="101600" dist="63500" dir="2700000" algn="tl" rotWithShape="0">
+                    <a:prstClr val="black">
+                      <a:alpha val="75000"/>
+                    </a:prstClr>
+                  </a:outerShdw>
+                </a:effectLst>
+                <a:latin typeface="+mj-lt"/>
+                <a:ea typeface="+mj-ea"/>
+                <a:cs typeface="+mj-cs"/>
+              </a:defRPr>
+            </a:lvl1pPr>
+          </a:lstStyle>
+          <a:p>
+            <a:r>
+              <a:rPr lang="en-US" sz="3200" dirty="0" err="1" smtClean="0"/>
+              <a:t>JCNEx</a:t>
+            </a:r>
+            <a:endParaRPr lang="en-US" sz="3200" dirty="0"/>
+          </a:p>
+        </p:txBody>
+      </p:sp>
+      <p:sp>
+        <p:nvSpPr>
+          <p:cNvPr id="25" name="Subtitle 2"/>
+          <p:cNvSpPr txBox="1">
+            <a:spLocks/>
+          </p:cNvSpPr>
+          <p:nvPr/>
+        </p:nvSpPr>
+        <p:spPr>
+          <a:xfrm>
+            <a:off x="1116277" y="534735"/>
+            <a:ext cx="4210478" cy="555308"/>
+          </a:xfrm>
+          <a:prstGeom prst="rect">
+            <a:avLst/>
+          </a:prstGeom>
+        </p:spPr>
+        <p:txBody>
+          <a:bodyPr vert="horz" lIns="91440" tIns="45720" rIns="91440" bIns="45720" rtlCol="0">
+            <a:normAutofit/>
+          </a:bodyPr>
+          <a:lstStyle>
+            <a:lvl1pPr marL="403225" indent="-403225" algn="l" defTabSz="914400" rtl="0" eaLnBrk="1" latinLnBrk="0" hangingPunct="1">
+              <a:spcBef>
+                <a:spcPts val="2000"/>
+              </a:spcBef>
+              <a:buFontTx/>
+              <a:buBlip>
+                <a:blip r:embed="rId4"/>
+              </a:buBlip>
+              <a:defRPr sz="2400" b="1" kern="1200">
+                <a:solidFill>
+                  <a:schemeClr val="tx1"/>
+                </a:solidFill>
+                <a:effectLst>
+                  <a:outerShdw blurRad="101600" dist="63500" dir="2700000" algn="tl" rotWithShape="0">
+                    <a:prstClr val="black">
+                      <a:alpha val="75000"/>
+                    </a:prstClr>
+                  </a:outerShdw>
+                </a:effectLst>
+                <a:latin typeface="+mn-lt"/>
+                <a:ea typeface="+mn-ea"/>
+                <a:cs typeface="+mn-cs"/>
+              </a:defRPr>
+            </a:lvl1pPr>
+            <a:lvl2pPr marL="806450" indent="-403225" algn="l" defTabSz="914400" rtl="0" eaLnBrk="1" latinLnBrk="0" hangingPunct="1">
+              <a:spcBef>
+                <a:spcPts val="600"/>
+              </a:spcBef>
+              <a:buFontTx/>
+              <a:buBlip>
+                <a:blip r:embed="rId4"/>
+              </a:buBlip>
+              <a:defRPr sz="2200" b="1" kern="1200">
+                <a:solidFill>
+                  <a:schemeClr val="tx1"/>
+                </a:solidFill>
+                <a:effectLst>
+                  <a:outerShdw blurRad="101600" dist="63500" dir="2700000" algn="tl" rotWithShape="0">
+                    <a:prstClr val="black">
+                      <a:alpha val="75000"/>
+                    </a:prstClr>
+                  </a:outerShdw>
+                </a:effectLst>
+                <a:latin typeface="+mn-lt"/>
+                <a:ea typeface="+mn-ea"/>
+                <a:cs typeface="+mn-cs"/>
+              </a:defRPr>
+            </a:lvl2pPr>
+            <a:lvl3pPr marL="1143000" indent="-336550" algn="l" defTabSz="914400" rtl="0" eaLnBrk="1" latinLnBrk="0" hangingPunct="1">
+              <a:spcBef>
+                <a:spcPts val="600"/>
+              </a:spcBef>
+              <a:buFontTx/>
+              <a:buBlip>
+                <a:blip r:embed="rId4"/>
+              </a:buBlip>
+              <a:defRPr sz="2000" b="1" kern="1200">
+                <a:solidFill>
+                  <a:schemeClr val="tx1"/>
+                </a:solidFill>
+                <a:effectLst>
+                  <a:outerShdw blurRad="101600" dist="63500" dir="2700000" algn="tl" rotWithShape="0">
+                    <a:prstClr val="black">
+                      <a:alpha val="75000"/>
+                    </a:prstClr>
+                  </a:outerShdw>
+                </a:effectLst>
+                <a:latin typeface="+mn-lt"/>
+                <a:ea typeface="+mn-ea"/>
+                <a:cs typeface="+mn-cs"/>
+              </a:defRPr>
+            </a:lvl3pPr>
+            <a:lvl4pPr marL="1492250" indent="-349250" algn="l" defTabSz="914400" rtl="0" eaLnBrk="1" latinLnBrk="0" hangingPunct="1">
+              <a:spcBef>
+                <a:spcPts val="600"/>
+              </a:spcBef>
+              <a:buFontTx/>
+              <a:buBlip>
+                <a:blip r:embed="rId4"/>
+              </a:buBlip>
+              <a:defRPr sz="1800" b="1" kern="1200">
+                <a:solidFill>
+                  <a:schemeClr val="tx1"/>
+                </a:solidFill>
+                <a:effectLst>
+                  <a:outerShdw blurRad="101600" dist="63500" dir="2700000" algn="tl" rotWithShape="0">
+                    <a:prstClr val="black">
+                      <a:alpha val="75000"/>
+                    </a:prstClr>
+                  </a:outerShdw>
+                </a:effectLst>
+                <a:latin typeface="+mn-lt"/>
+                <a:ea typeface="+mn-ea"/>
+                <a:cs typeface="+mn-cs"/>
+              </a:defRPr>
+            </a:lvl4pPr>
+            <a:lvl5pPr marL="1828800" indent="-336550" algn="l" defTabSz="914400" rtl="0" eaLnBrk="1" latinLnBrk="0" hangingPunct="1">
+              <a:spcBef>
+                <a:spcPts val="600"/>
+              </a:spcBef>
+              <a:buFontTx/>
+              <a:buBlip>
+                <a:blip r:embed="rId4"/>
+              </a:buBlip>
+              <a:defRPr sz="1800" b="1" kern="1200">
+                <a:solidFill>
+                  <a:schemeClr val="tx1"/>
+                </a:solidFill>
+                <a:effectLst>
+                  <a:outerShdw blurRad="101600" dist="63500" dir="2700000" algn="tl" rotWithShape="0">
+                    <a:prstClr val="black">
+                      <a:alpha val="75000"/>
+                    </a:prstClr>
+                  </a:outerShdw>
+                </a:effectLst>
+                <a:latin typeface="+mn-lt"/>
+                <a:ea typeface="+mn-ea"/>
+                <a:cs typeface="+mn-cs"/>
+              </a:defRPr>
+            </a:lvl5pPr>
+            <a:lvl6pPr marL="2173288" indent="-344488" algn="l" defTabSz="914400" rtl="0" eaLnBrk="1" latinLnBrk="0" hangingPunct="1">
+              <a:spcBef>
+                <a:spcPct val="20000"/>
+              </a:spcBef>
+              <a:buFontTx/>
+              <a:buBlip>
+                <a:blip r:embed="rId4"/>
+              </a:buBlip>
+              <a:defRPr lang="en-US" sz="1800" b="1" kern="1200" dirty="0" smtClean="0">
+                <a:solidFill>
+                  <a:schemeClr val="tx1"/>
+                </a:solidFill>
+                <a:effectLst>
+                  <a:outerShdw blurRad="101600" dist="63500" dir="2700000" algn="tl" rotWithShape="0">
+                    <a:prstClr val="black">
+                      <a:alpha val="75000"/>
+                    </a:prstClr>
+                  </a:outerShdw>
+                </a:effectLst>
+                <a:latin typeface="+mn-lt"/>
+                <a:ea typeface="+mn-ea"/>
+                <a:cs typeface="+mn-cs"/>
+              </a:defRPr>
+            </a:lvl6pPr>
+            <a:lvl7pPr marL="2516188" indent="-344488" algn="l" defTabSz="914400" rtl="0" eaLnBrk="1" latinLnBrk="0" hangingPunct="1">
+              <a:spcBef>
+                <a:spcPct val="20000"/>
+              </a:spcBef>
+              <a:buFontTx/>
+              <a:buBlip>
+                <a:blip r:embed="rId4"/>
+              </a:buBlip>
+              <a:defRPr lang="en-US" sz="1800" b="1" kern="1200" dirty="0" smtClean="0">
+                <a:solidFill>
+                  <a:schemeClr val="tx1"/>
+                </a:solidFill>
+                <a:effectLst>
+                  <a:outerShdw blurRad="101600" dist="63500" dir="2700000" algn="tl" rotWithShape="0">
+                    <a:prstClr val="black">
+                      <a:alpha val="75000"/>
+                    </a:prstClr>
+                  </a:outerShdw>
+                </a:effectLst>
+                <a:latin typeface="+mn-lt"/>
+                <a:ea typeface="+mn-ea"/>
+                <a:cs typeface="+mn-cs"/>
+              </a:defRPr>
+            </a:lvl7pPr>
+            <a:lvl8pPr marL="2860675" indent="-344488" algn="l" defTabSz="914400" rtl="0" eaLnBrk="1" latinLnBrk="0" hangingPunct="1">
+              <a:spcBef>
+                <a:spcPct val="20000"/>
+              </a:spcBef>
+              <a:buFontTx/>
+              <a:buBlip>
+                <a:blip r:embed="rId4"/>
+              </a:buBlip>
+              <a:defRPr lang="en-US" sz="1800" b="1" kern="1200" dirty="0" smtClean="0">
+                <a:solidFill>
+                  <a:schemeClr val="tx1"/>
+                </a:solidFill>
+                <a:effectLst>
+                  <a:outerShdw blurRad="101600" dist="63500" dir="2700000" algn="tl" rotWithShape="0">
+                    <a:prstClr val="black">
+                      <a:alpha val="75000"/>
+                    </a:prstClr>
+                  </a:outerShdw>
+                </a:effectLst>
+                <a:latin typeface="+mn-lt"/>
+                <a:ea typeface="+mn-ea"/>
+                <a:cs typeface="+mn-cs"/>
+              </a:defRPr>
+            </a:lvl8pPr>
+            <a:lvl9pPr marL="3205163" indent="-344488" algn="l" defTabSz="914400" rtl="0" eaLnBrk="1" latinLnBrk="0" hangingPunct="1">
+              <a:spcBef>
+                <a:spcPct val="20000"/>
+              </a:spcBef>
+              <a:buFontTx/>
+              <a:buBlip>
+                <a:blip r:embed="rId4"/>
+              </a:buBlip>
+              <a:defRPr lang="en-US" sz="1800" b="1" kern="1200" dirty="0">
+                <a:solidFill>
+                  <a:schemeClr val="tx1"/>
+                </a:solidFill>
+                <a:effectLst>
+                  <a:outerShdw blurRad="101600" dist="63500" dir="2700000" algn="tl" rotWithShape="0">
+                    <a:prstClr val="black">
+                      <a:alpha val="75000"/>
+                    </a:prstClr>
+                  </a:outerShdw>
+                </a:effectLst>
+                <a:latin typeface="+mn-lt"/>
+                <a:ea typeface="+mn-ea"/>
+                <a:cs typeface="+mn-cs"/>
+              </a:defRPr>
+            </a:lvl9pPr>
+          </a:lstStyle>
+          <a:p>
+            <a:pPr marL="0" indent="0">
+              <a:buNone/>
+            </a:pPr>
+            <a:r>
+              <a:rPr lang="en-US" sz="1800" dirty="0" smtClean="0"/>
+              <a:t>by team “</a:t>
+            </a:r>
+            <a:r>
+              <a:rPr lang="en-US" sz="1800" dirty="0" err="1" smtClean="0"/>
+              <a:t>Bration</a:t>
+            </a:r>
+            <a:r>
+              <a:rPr lang="en-US" sz="1800" dirty="0" smtClean="0"/>
+              <a:t>”</a:t>
+            </a:r>
+            <a:endParaRPr lang="en-US" sz="1800" dirty="0"/>
+          </a:p>
+        </p:txBody>
+      </p:sp>
+      <p:sp>
+        <p:nvSpPr>
+          <p:cNvPr id="28" name="Title 1"/>
+          <p:cNvSpPr txBox="1">
+            <a:spLocks/>
+          </p:cNvSpPr>
+          <p:nvPr/>
+        </p:nvSpPr>
+        <p:spPr>
+          <a:xfrm>
+            <a:off x="1882990" y="1038135"/>
+            <a:ext cx="5021244" cy="837186"/>
+          </a:xfrm>
+          <a:prstGeom prst="rect">
+            <a:avLst/>
+          </a:prstGeom>
+        </p:spPr>
+        <p:txBody>
+          <a:bodyPr vert="horz" lIns="91440" tIns="45720" rIns="91440" bIns="45720" rtlCol="0" anchor="ctr">
+            <a:noAutofit/>
+          </a:bodyPr>
+          <a:lstStyle>
+            <a:lvl1pPr algn="ctr" defTabSz="914400" rtl="0" eaLnBrk="1" latinLnBrk="0" hangingPunct="1">
+              <a:spcBef>
+                <a:spcPct val="0"/>
+              </a:spcBef>
+              <a:buNone/>
+              <a:defRPr sz="5600" b="1" kern="1200">
+                <a:solidFill>
+                  <a:schemeClr val="tx1"/>
+                </a:solidFill>
+                <a:effectLst>
+                  <a:outerShdw blurRad="101600" dist="63500" dir="2700000" algn="tl" rotWithShape="0">
+                    <a:prstClr val="black">
+                      <a:alpha val="75000"/>
+                    </a:prstClr>
+                  </a:outerShdw>
+                </a:effectLst>
+                <a:latin typeface="+mj-lt"/>
+                <a:ea typeface="+mj-ea"/>
+                <a:cs typeface="+mj-cs"/>
+              </a:defRPr>
+            </a:lvl1pPr>
+          </a:lstStyle>
+          <a:p>
+            <a:r>
+              <a:rPr lang="en-US" dirty="0" smtClean="0"/>
+              <a:t>Project scopes</a:t>
+            </a:r>
+            <a:endParaRPr lang="en-US" dirty="0"/>
+          </a:p>
+        </p:txBody>
+      </p:sp>
+      <p:sp>
+        <p:nvSpPr>
+          <p:cNvPr id="30" name="Content Placeholder 2"/>
+          <p:cNvSpPr>
+            <a:spLocks noGrp="1"/>
+          </p:cNvSpPr>
+          <p:nvPr>
+            <p:ph idx="1"/>
+          </p:nvPr>
+        </p:nvSpPr>
+        <p:spPr>
+          <a:xfrm>
+            <a:off x="778066" y="2135647"/>
+            <a:ext cx="7581901" cy="3953436"/>
+          </a:xfrm>
+        </p:spPr>
+        <p:txBody>
+          <a:bodyPr/>
+          <a:lstStyle/>
+          <a:p>
+            <a:r>
+              <a:rPr lang="en-US" dirty="0" smtClean="0"/>
+              <a:t>Finding team members</a:t>
+            </a:r>
+          </a:p>
+          <a:p>
+            <a:r>
+              <a:rPr lang="en-US" dirty="0" smtClean="0"/>
+              <a:t>Brainstorm meeting to find best idea for project</a:t>
+            </a:r>
+          </a:p>
+          <a:p>
+            <a:r>
+              <a:rPr lang="en-US" dirty="0" smtClean="0"/>
+              <a:t>Research for best SRS document templates</a:t>
+            </a:r>
+          </a:p>
+          <a:p>
+            <a:r>
+              <a:rPr lang="en-US" dirty="0" smtClean="0"/>
+              <a:t>Write a SRS document with functionality description and use case</a:t>
+            </a:r>
+          </a:p>
+          <a:p>
+            <a:r>
+              <a:rPr lang="en-US" dirty="0" smtClean="0"/>
+              <a:t>Codding</a:t>
+            </a:r>
+          </a:p>
+          <a:p>
+            <a:r>
+              <a:rPr lang="en-US" dirty="0" smtClean="0"/>
+              <a:t>Release the application</a:t>
+            </a:r>
+            <a:endParaRPr lang="en-US" dirty="0"/>
+          </a:p>
+        </p:txBody>
+      </p:sp>
+    </p:spTree>
+    <p:extLst>
+      <p:ext uri="{BB962C8B-B14F-4D97-AF65-F5344CB8AC3E}">
+        <p14:creationId xmlns:p14="http://schemas.microsoft.com/office/powerpoint/2010/main" val="313503111"/>
+      </p:ext>
+    </p:extLst>
+  </p:cSld>
+  <p:clrMapOvr>
+    <a:masterClrMapping/>
+  </p:clrMapOvr>
+  <p:timing>
+    <p:tnLst>
+      <p:par>
+        <p:cTn id="1" dur="indefinite" restart="never" nodeType="tmRoot"/>
+      </p:par>
+    </p:tnLst>
+  </p:timing>
+</p:sld>
+</file>
+
+<file path=ppt/slides/slide4.xml><?xml version="1.0" encoding="utf-8"?>
+<p:sld xmlns:a="http://schemas.openxmlformats.org/drawingml/2006/main" xmlns:r="http://schemas.openxmlformats.org/officeDocument/2006/relationships" xmlns:p="http://schemas.openxmlformats.org/presentationml/2006/main">
+  <p:cSld>
+    <p:spTree>
+      <p:nvGrpSpPr>
+        <p:cNvPr id="1" name=""/>
+        <p:cNvGrpSpPr/>
+        <p:nvPr/>
+      </p:nvGrpSpPr>
+      <p:grpSpPr>
+        <a:xfrm>
+          <a:off x="0" y="0"/>
+          <a:ext cx="0" cy="0"/>
+          <a:chOff x="0" y="0"/>
+          <a:chExt cx="0" cy="0"/>
+        </a:xfrm>
+      </p:grpSpPr>
       <p:sp>
         <p:nvSpPr>
           <p:cNvPr id="2" name="Title 1"/>
@@ -5197,7 +5840,7 @@
       </p:pic>
       <p:sp>
         <p:nvSpPr>
-          <p:cNvPr id="5" name="Title 1"/>
+          <p:cNvPr id="6" name="Subtitle 2"/>
           <p:cNvSpPr txBox="1">
             <a:spLocks/>
           </p:cNvSpPr>
@@ -5205,8 +5848,280 @@
         </p:nvSpPr>
         <p:spPr>
           <a:xfrm>
-            <a:off x="3441629" y="6491937"/>
-            <a:ext cx="2401013" cy="327871"/>
+            <a:off x="1743260" y="4723604"/>
+            <a:ext cx="5797751" cy="440597"/>
+          </a:xfrm>
+          <a:prstGeom prst="rect">
+            <a:avLst/>
+          </a:prstGeom>
+        </p:spPr>
+        <p:txBody>
+          <a:bodyPr vert="horz" lIns="91440" tIns="45720" rIns="91440" bIns="45720" rtlCol="0">
+            <a:normAutofit lnSpcReduction="10000"/>
+          </a:bodyPr>
+          <a:lstStyle>
+            <a:lvl1pPr marL="0" indent="0" algn="ctr" defTabSz="914400" rtl="0" eaLnBrk="1" latinLnBrk="0" hangingPunct="1">
+              <a:spcBef>
+                <a:spcPct val="300"/>
+              </a:spcBef>
+              <a:buFontTx/>
+              <a:buNone/>
+              <a:defRPr sz="2400" b="1" kern="1200">
+                <a:solidFill>
+                  <a:schemeClr val="tx1">
+                    <a:tint val="75000"/>
+                  </a:schemeClr>
+                </a:solidFill>
+                <a:effectLst>
+                  <a:outerShdw blurRad="101600" dist="63500" dir="2700000" algn="tl" rotWithShape="0">
+                    <a:prstClr val="black">
+                      <a:alpha val="75000"/>
+                    </a:prstClr>
+                  </a:outerShdw>
+                </a:effectLst>
+                <a:latin typeface="+mn-lt"/>
+                <a:ea typeface="+mn-ea"/>
+                <a:cs typeface="+mn-cs"/>
+              </a:defRPr>
+            </a:lvl1pPr>
+            <a:lvl2pPr marL="457200" indent="0" algn="ctr" defTabSz="914400" rtl="0" eaLnBrk="1" latinLnBrk="0" hangingPunct="1">
+              <a:spcBef>
+                <a:spcPts val="600"/>
+              </a:spcBef>
+              <a:buFontTx/>
+              <a:buNone/>
+              <a:defRPr sz="2200" b="1" kern="1200">
+                <a:solidFill>
+                  <a:schemeClr val="tx1">
+                    <a:tint val="75000"/>
+                  </a:schemeClr>
+                </a:solidFill>
+                <a:effectLst>
+                  <a:outerShdw blurRad="101600" dist="63500" dir="2700000" algn="tl" rotWithShape="0">
+                    <a:prstClr val="black">
+                      <a:alpha val="75000"/>
+                    </a:prstClr>
+                  </a:outerShdw>
+                </a:effectLst>
+                <a:latin typeface="+mn-lt"/>
+                <a:ea typeface="+mn-ea"/>
+                <a:cs typeface="+mn-cs"/>
+              </a:defRPr>
+            </a:lvl2pPr>
+            <a:lvl3pPr marL="914400" indent="0" algn="ctr" defTabSz="914400" rtl="0" eaLnBrk="1" latinLnBrk="0" hangingPunct="1">
+              <a:spcBef>
+                <a:spcPts val="600"/>
+              </a:spcBef>
+              <a:buFontTx/>
+              <a:buNone/>
+              <a:defRPr sz="2000" b="1" kern="1200">
+                <a:solidFill>
+                  <a:schemeClr val="tx1">
+                    <a:tint val="75000"/>
+                  </a:schemeClr>
+                </a:solidFill>
+                <a:effectLst>
+                  <a:outerShdw blurRad="101600" dist="63500" dir="2700000" algn="tl" rotWithShape="0">
+                    <a:prstClr val="black">
+                      <a:alpha val="75000"/>
+                    </a:prstClr>
+                  </a:outerShdw>
+                </a:effectLst>
+                <a:latin typeface="+mn-lt"/>
+                <a:ea typeface="+mn-ea"/>
+                <a:cs typeface="+mn-cs"/>
+              </a:defRPr>
+            </a:lvl3pPr>
+            <a:lvl4pPr marL="1371600" indent="0" algn="ctr" defTabSz="914400" rtl="0" eaLnBrk="1" latinLnBrk="0" hangingPunct="1">
+              <a:spcBef>
+                <a:spcPts val="600"/>
+              </a:spcBef>
+              <a:buFontTx/>
+              <a:buNone/>
+              <a:defRPr sz="1800" b="1" kern="1200">
+                <a:solidFill>
+                  <a:schemeClr val="tx1">
+                    <a:tint val="75000"/>
+                  </a:schemeClr>
+                </a:solidFill>
+                <a:effectLst>
+                  <a:outerShdw blurRad="101600" dist="63500" dir="2700000" algn="tl" rotWithShape="0">
+                    <a:prstClr val="black">
+                      <a:alpha val="75000"/>
+                    </a:prstClr>
+                  </a:outerShdw>
+                </a:effectLst>
+                <a:latin typeface="+mn-lt"/>
+                <a:ea typeface="+mn-ea"/>
+                <a:cs typeface="+mn-cs"/>
+              </a:defRPr>
+            </a:lvl4pPr>
+            <a:lvl5pPr marL="1828800" indent="0" algn="ctr" defTabSz="914400" rtl="0" eaLnBrk="1" latinLnBrk="0" hangingPunct="1">
+              <a:spcBef>
+                <a:spcPts val="600"/>
+              </a:spcBef>
+              <a:buFontTx/>
+              <a:buNone/>
+              <a:defRPr sz="1800" b="1" kern="1200">
+                <a:solidFill>
+                  <a:schemeClr val="tx1">
+                    <a:tint val="75000"/>
+                  </a:schemeClr>
+                </a:solidFill>
+                <a:effectLst>
+                  <a:outerShdw blurRad="101600" dist="63500" dir="2700000" algn="tl" rotWithShape="0">
+                    <a:prstClr val="black">
+                      <a:alpha val="75000"/>
+                    </a:prstClr>
+                  </a:outerShdw>
+                </a:effectLst>
+                <a:latin typeface="+mn-lt"/>
+                <a:ea typeface="+mn-ea"/>
+                <a:cs typeface="+mn-cs"/>
+              </a:defRPr>
+            </a:lvl5pPr>
+            <a:lvl6pPr marL="2286000" indent="0" algn="ctr" defTabSz="914400" rtl="0" eaLnBrk="1" latinLnBrk="0" hangingPunct="1">
+              <a:spcBef>
+                <a:spcPct val="20000"/>
+              </a:spcBef>
+              <a:buFontTx/>
+              <a:buNone/>
+              <a:defRPr lang="en-US" sz="1800" b="1" kern="1200">
+                <a:solidFill>
+                  <a:schemeClr val="tx1">
+                    <a:tint val="75000"/>
+                  </a:schemeClr>
+                </a:solidFill>
+                <a:effectLst>
+                  <a:outerShdw blurRad="101600" dist="63500" dir="2700000" algn="tl" rotWithShape="0">
+                    <a:prstClr val="black">
+                      <a:alpha val="75000"/>
+                    </a:prstClr>
+                  </a:outerShdw>
+                </a:effectLst>
+                <a:latin typeface="+mn-lt"/>
+                <a:ea typeface="+mn-ea"/>
+                <a:cs typeface="+mn-cs"/>
+              </a:defRPr>
+            </a:lvl6pPr>
+            <a:lvl7pPr marL="2743200" indent="0" algn="ctr" defTabSz="914400" rtl="0" eaLnBrk="1" latinLnBrk="0" hangingPunct="1">
+              <a:spcBef>
+                <a:spcPct val="20000"/>
+              </a:spcBef>
+              <a:buFontTx/>
+              <a:buNone/>
+              <a:defRPr lang="en-US" sz="1800" b="1" kern="1200">
+                <a:solidFill>
+                  <a:schemeClr val="tx1">
+                    <a:tint val="75000"/>
+                  </a:schemeClr>
+                </a:solidFill>
+                <a:effectLst>
+                  <a:outerShdw blurRad="101600" dist="63500" dir="2700000" algn="tl" rotWithShape="0">
+                    <a:prstClr val="black">
+                      <a:alpha val="75000"/>
+                    </a:prstClr>
+                  </a:outerShdw>
+                </a:effectLst>
+                <a:latin typeface="+mn-lt"/>
+                <a:ea typeface="+mn-ea"/>
+                <a:cs typeface="+mn-cs"/>
+              </a:defRPr>
+            </a:lvl7pPr>
+            <a:lvl8pPr marL="3200400" indent="0" algn="ctr" defTabSz="914400" rtl="0" eaLnBrk="1" latinLnBrk="0" hangingPunct="1">
+              <a:spcBef>
+                <a:spcPct val="20000"/>
+              </a:spcBef>
+              <a:buFontTx/>
+              <a:buNone/>
+              <a:defRPr lang="en-US" sz="1800" b="1" kern="1200">
+                <a:solidFill>
+                  <a:schemeClr val="tx1">
+                    <a:tint val="75000"/>
+                  </a:schemeClr>
+                </a:solidFill>
+                <a:effectLst>
+                  <a:outerShdw blurRad="101600" dist="63500" dir="2700000" algn="tl" rotWithShape="0">
+                    <a:prstClr val="black">
+                      <a:alpha val="75000"/>
+                    </a:prstClr>
+                  </a:outerShdw>
+                </a:effectLst>
+                <a:latin typeface="+mn-lt"/>
+                <a:ea typeface="+mn-ea"/>
+                <a:cs typeface="+mn-cs"/>
+              </a:defRPr>
+            </a:lvl8pPr>
+            <a:lvl9pPr marL="3657600" indent="0" algn="ctr" defTabSz="914400" rtl="0" eaLnBrk="1" latinLnBrk="0" hangingPunct="1">
+              <a:spcBef>
+                <a:spcPct val="20000"/>
+              </a:spcBef>
+              <a:buFontTx/>
+              <a:buNone/>
+              <a:defRPr lang="en-US" sz="1800" b="1" kern="1200">
+                <a:solidFill>
+                  <a:schemeClr val="tx1">
+                    <a:tint val="75000"/>
+                  </a:schemeClr>
+                </a:solidFill>
+                <a:effectLst>
+                  <a:outerShdw blurRad="101600" dist="63500" dir="2700000" algn="tl" rotWithShape="0">
+                    <a:prstClr val="black">
+                      <a:alpha val="75000"/>
+                    </a:prstClr>
+                  </a:outerShdw>
+                </a:effectLst>
+                <a:latin typeface="+mn-lt"/>
+                <a:ea typeface="+mn-ea"/>
+                <a:cs typeface="+mn-cs"/>
+              </a:defRPr>
+            </a:lvl9pPr>
+          </a:lstStyle>
+          <a:p>
+            <a:r>
+              <a:rPr lang="en-US" dirty="0" smtClean="0"/>
+              <a:t>Java Contract Number Extractor</a:t>
+            </a:r>
+            <a:endParaRPr lang="en-US" dirty="0"/>
+          </a:p>
+        </p:txBody>
+      </p:sp>
+      <p:pic>
+        <p:nvPicPr>
+          <p:cNvPr id="8" name="Picture 7" descr="MoleculeTracer.png"/>
+          <p:cNvPicPr>
+            <a:picLocks noChangeAspect="1"/>
+          </p:cNvPicPr>
+          <p:nvPr/>
+        </p:nvPicPr>
+        <p:blipFill>
+          <a:blip r:embed="rId3"/>
+          <a:stretch>
+            <a:fillRect/>
+          </a:stretch>
+        </p:blipFill>
+        <p:spPr>
+          <a:xfrm>
+            <a:off x="1744154" y="224679"/>
+            <a:ext cx="5795963" cy="3943372"/>
+          </a:xfrm>
+          <a:prstGeom prst="rect">
+            <a:avLst/>
+          </a:prstGeom>
+        </p:spPr>
+      </p:pic>
+      <p:sp>
+        <p:nvSpPr>
+          <p:cNvPr id="9" name="Title 1"/>
+          <p:cNvSpPr txBox="1">
+            <a:spLocks/>
+          </p:cNvSpPr>
+          <p:nvPr/>
+        </p:nvSpPr>
+        <p:spPr>
+          <a:xfrm>
+            <a:off x="2494099" y="6491937"/>
+            <a:ext cx="4155803" cy="327871"/>
           </a:xfrm>
           <a:prstGeom prst="rect">
             <a:avLst/>
@@ -5259,18 +6174,23 @@
             </a:lvl1pPr>
           </a:lstStyle>
           <a:p>
-            <a:pPr algn="l"/>
             <a:r>
               <a:rPr lang="en-US" sz="1600" b="0" dirty="0">
                 <a:effectLst/>
               </a:rPr>
-              <a:t>QA </a:t>
+              <a:t>QA Fundamentals Course @ </a:t>
+            </a:r>
+            <a:r>
+              <a:rPr lang="en-US" sz="1600" b="0" dirty="0" err="1" smtClean="0">
+                <a:effectLst/>
+              </a:rPr>
+              <a:t>SoftUni</a:t>
             </a:r>
             <a:r>
               <a:rPr lang="en-US" sz="1600" b="0" dirty="0" smtClean="0">
                 <a:effectLst/>
               </a:rPr>
-              <a:t>Fundamentals - 2015</a:t>
+              <a:t> 2015</a:t>
             </a:r>
             <a:endParaRPr lang="en-US" sz="1600" b="0" dirty="0">
               <a:effectLst/>
@@ -5278,39 +6198,116 @@
           </a:p>
         </p:txBody>
       </p:sp>
-      <p:sp>
-        <p:nvSpPr>
-          <p:cNvPr id="6" name="Subtitle 2"/>
-          <p:cNvSpPr txBox="1">
-            <a:spLocks/>
-          </p:cNvSpPr>
+    </p:spTree>
+    <p:extLst>
+      <p:ext uri="{BB962C8B-B14F-4D97-AF65-F5344CB8AC3E}">
+        <p14:creationId xmlns:p14="http://schemas.microsoft.com/office/powerpoint/2010/main" val="3089163701"/>
+      </p:ext>
+    </p:extLst>
+  </p:cSld>
+  <p:clrMapOvr>
+    <a:masterClrMapping/>
+  </p:clrMapOvr>
+  <p:timing>
+    <p:tnLst>
+      <p:par>
+        <p:cTn id="1" dur="indefinite" restart="never" nodeType="tmRoot"/>
+      </p:par>
+    </p:tnLst>
+  </p:timing>
+</p:sld>
+</file>
+
+<file path=ppt/slides/slide5.xml><?xml version="1.0" encoding="utf-8"?>
+<p:sld xmlns:a="http://schemas.openxmlformats.org/drawingml/2006/main" xmlns:r="http://schemas.openxmlformats.org/officeDocument/2006/relationships" xmlns:p="http://schemas.openxmlformats.org/presentationml/2006/main">
+  <p:cSld>
+    <p:spTree>
+      <p:nvGrpSpPr>
+        <p:cNvPr id="1" name=""/>
+        <p:cNvGrpSpPr/>
+        <p:nvPr/>
+      </p:nvGrpSpPr>
+      <p:grpSpPr>
+        <a:xfrm>
+          <a:off x="0" y="0"/>
+          <a:ext cx="0" cy="0"/>
+          <a:chOff x="0" y="0"/>
+          <a:chExt cx="0" cy="0"/>
+        </a:xfrm>
+      </p:grpSpPr>
+      <p:pic>
+        <p:nvPicPr>
+          <p:cNvPr id="22" name="Picture 21"/>
+          <p:cNvPicPr>
+            <a:picLocks noChangeAspect="1"/>
+          </p:cNvPicPr>
           <p:nvPr/>
-        </p:nvSpPr>
+        </p:nvPicPr>
+        <p:blipFill>
+          <a:blip r:embed="rId2"/>
+          <a:stretch>
+            <a:fillRect/>
+          </a:stretch>
+        </p:blipFill>
         <p:spPr>
           <a:xfrm>
-            <a:off x="1743260" y="4723604"/>
-            <a:ext cx="5797751" cy="440597"/>
+            <a:off x="7524314" y="171774"/>
+            <a:ext cx="1451391" cy="276080"/>
           </a:xfrm>
           <a:prstGeom prst="rect">
             <a:avLst/>
           </a:prstGeom>
         </p:spPr>
-        <p:txBody>
-          <a:bodyPr vert="horz" lIns="91440" tIns="45720" rIns="91440" bIns="45720" rtlCol="0">
-            <a:normAutofit lnSpcReduction="10000"/>
+      </p:pic>
+      <p:sp>
+        <p:nvSpPr>
+          <p:cNvPr id="24" name="Title 1"/>
+          <p:cNvSpPr txBox="1">
+            <a:spLocks/>
+          </p:cNvSpPr>
+          <p:nvPr/>
+        </p:nvSpPr>
+        <p:spPr>
+          <a:xfrm>
+            <a:off x="2494099" y="6491937"/>
+            <a:ext cx="4155803" cy="327871"/>
+          </a:xfrm>
+          <a:prstGeom prst="rect">
+            <a:avLst/>
+          </a:prstGeom>
+          <a:noFill/>
+          <a:ln>
+            <a:noFill/>
+          </a:ln>
+          <a:effectLst/>
+        </p:spPr>
+        <p:style>
+          <a:lnRef idx="2">
+            <a:schemeClr val="dk1"/>
+          </a:lnRef>
+          <a:fillRef idx="1">
+            <a:schemeClr val="lt1"/>
+          </a:fillRef>
+          <a:effectRef idx="0">
+            <a:schemeClr val="dk1"/>
+          </a:effectRef>
+          <a:fontRef idx="minor">
+            <a:schemeClr val="dk1"/>
+          </a:fontRef>
+        </p:style>
+        <p:txBody>
+          <a:bodyPr vert="horz" lIns="91440" tIns="45720" rIns="91440" bIns="45720" rtlCol="0" anchor="ctr">
+            <a:noAutofit/>
           </a:bodyPr>
           <a:lstStyle>
-            <a:lvl1pPr marL="0" indent="0" algn="ctr" defTabSz="914400" rtl="0" eaLnBrk="1" latinLnBrk="0" hangingPunct="1">
+            <a:lvl1pPr algn="ctr" defTabSz="914400" rtl="0" eaLnBrk="1" latinLnBrk="0" hangingPunct="1">
               <a:spcBef>
-                <a:spcPct val="300"/>
+                <a:spcPct val="0"/>
               </a:spcBef>
-              <a:buFontTx/>
-              <a:buNone/>
-              <a:defRPr sz="2400" b="1" kern="1200">
-                <a:solidFill>
-                  <a:schemeClr val="tx1">
-                    <a:tint val="75000"/>
-                  </a:schemeClr>
+              <a:buNone/>
+              <a:defRPr sz="5600" b="1" kern="1200">
+                <a:solidFill>
+                  <a:schemeClr val="tx1"/>
                 </a:solidFill>
                 <a:effectLst>
                   <a:outerShdw blurRad="101600" dist="63500" dir="2700000" algn="tl" rotWithShape="0">
@@ -5319,216 +6316,40 @@
                     </a:prstClr>
                   </a:outerShdw>
                 </a:effectLst>
-                <a:latin typeface="+mn-lt"/>
-                <a:ea typeface="+mn-ea"/>
-                <a:cs typeface="+mn-cs"/>
+                <a:latin typeface="+mj-lt"/>
+                <a:ea typeface="+mj-ea"/>
+                <a:cs typeface="+mj-cs"/>
               </a:defRPr>
             </a:lvl1pPr>
-            <a:lvl2pPr marL="457200" indent="0" algn="ctr" defTabSz="914400" rtl="0" eaLnBrk="1" latinLnBrk="0" hangingPunct="1">
-              <a:spcBef>
-                <a:spcPts val="600"/>
-              </a:spcBef>
-              <a:buFontTx/>
-              <a:buNone/>
-              <a:defRPr sz="2200" b="1" kern="1200">
-                <a:solidFill>
-                  <a:schemeClr val="tx1">
-                    <a:tint val="75000"/>
-                  </a:schemeClr>
-                </a:solidFill>
-                <a:effectLst>
-                  <a:outerShdw blurRad="101600" dist="63500" dir="2700000" algn="tl" rotWithShape="0">
-                    <a:prstClr val="black">
-                      <a:alpha val="75000"/>
-                    </a:prstClr>
-                  </a:outerShdw>
-                </a:effectLst>
-                <a:latin typeface="+mn-lt"/>
-                <a:ea typeface="+mn-ea"/>
-                <a:cs typeface="+mn-cs"/>
-              </a:defRPr>
-            </a:lvl2pPr>
-            <a:lvl3pPr marL="914400" indent="0" algn="ctr" defTabSz="914400" rtl="0" eaLnBrk="1" latinLnBrk="0" hangingPunct="1">
-              <a:spcBef>
-                <a:spcPts val="600"/>
-              </a:spcBef>
-              <a:buFontTx/>
-              <a:buNone/>
-              <a:defRPr sz="2000" b="1" kern="1200">
-                <a:solidFill>
-                  <a:schemeClr val="tx1">
-                    <a:tint val="75000"/>
-                  </a:schemeClr>
-                </a:solidFill>
-                <a:effectLst>
-                  <a:outerShdw blurRad="101600" dist="63500" dir="2700000" algn="tl" rotWithShape="0">
-                    <a:prstClr val="black">
-                      <a:alpha val="75000"/>
-                    </a:prstClr>
-                  </a:outerShdw>
-                </a:effectLst>
-                <a:latin typeface="+mn-lt"/>
-                <a:ea typeface="+mn-ea"/>
-                <a:cs typeface="+mn-cs"/>
-              </a:defRPr>
-            </a:lvl3pPr>
-            <a:lvl4pPr marL="1371600" indent="0" algn="ctr" defTabSz="914400" rtl="0" eaLnBrk="1" latinLnBrk="0" hangingPunct="1">
-              <a:spcBef>
-                <a:spcPts val="600"/>
-              </a:spcBef>
-              <a:buFontTx/>
-              <a:buNone/>
-              <a:defRPr sz="1800" b="1" kern="1200">
-                <a:solidFill>
-                  <a:schemeClr val="tx1">
-                    <a:tint val="75000"/>
-                  </a:schemeClr>
-                </a:solidFill>
-                <a:effectLst>
-                  <a:outerShdw blurRad="101600" dist="63500" dir="2700000" algn="tl" rotWithShape="0">
-                    <a:prstClr val="black">
-                      <a:alpha val="75000"/>
-                    </a:prstClr>
-                  </a:outerShdw>
-                </a:effectLst>
-                <a:latin typeface="+mn-lt"/>
-                <a:ea typeface="+mn-ea"/>
-                <a:cs typeface="+mn-cs"/>
-              </a:defRPr>
-            </a:lvl4pPr>
-            <a:lvl5pPr marL="1828800" indent="0" algn="ctr" defTabSz="914400" rtl="0" eaLnBrk="1" latinLnBrk="0" hangingPunct="1">
-              <a:spcBef>
-                <a:spcPts val="600"/>
-              </a:spcBef>
-              <a:buFontTx/>
-              <a:buNone/>
-              <a:defRPr sz="1800" b="1" kern="1200">
-                <a:solidFill>
-                  <a:schemeClr val="tx1">
-                    <a:tint val="75000"/>
-                  </a:schemeClr>
-                </a:solidFill>
-                <a:effectLst>
-                  <a:outerShdw blurRad="101600" dist="63500" dir="2700000" algn="tl" rotWithShape="0">
-                    <a:prstClr val="black">
-                      <a:alpha val="75000"/>
-                    </a:prstClr>
-                  </a:outerShdw>
-                </a:effectLst>
-                <a:latin typeface="+mn-lt"/>
-                <a:ea typeface="+mn-ea"/>
-                <a:cs typeface="+mn-cs"/>
-              </a:defRPr>
-            </a:lvl5pPr>
-            <a:lvl6pPr marL="2286000" indent="0" algn="ctr" defTabSz="914400" rtl="0" eaLnBrk="1" latinLnBrk="0" hangingPunct="1">
-              <a:spcBef>
-                <a:spcPct val="20000"/>
-              </a:spcBef>
-              <a:buFontTx/>
-              <a:buNone/>
-              <a:defRPr lang="en-US" sz="1800" b="1" kern="1200">
-                <a:solidFill>
-                  <a:schemeClr val="tx1">
-                    <a:tint val="75000"/>
-                  </a:schemeClr>
-                </a:solidFill>
-                <a:effectLst>
-                  <a:outerShdw blurRad="101600" dist="63500" dir="2700000" algn="tl" rotWithShape="0">
-                    <a:prstClr val="black">
-                      <a:alpha val="75000"/>
-                    </a:prstClr>
-                  </a:outerShdw>
-                </a:effectLst>
-                <a:latin typeface="+mn-lt"/>
-                <a:ea typeface="+mn-ea"/>
-                <a:cs typeface="+mn-cs"/>
-              </a:defRPr>
-            </a:lvl6pPr>
-            <a:lvl7pPr marL="2743200" indent="0" algn="ctr" defTabSz="914400" rtl="0" eaLnBrk="1" latinLnBrk="0" hangingPunct="1">
-              <a:spcBef>
-                <a:spcPct val="20000"/>
-              </a:spcBef>
-              <a:buFontTx/>
-              <a:buNone/>
-              <a:defRPr lang="en-US" sz="1800" b="1" kern="1200">
-                <a:solidFill>
-                  <a:schemeClr val="tx1">
-                    <a:tint val="75000"/>
-                  </a:schemeClr>
-                </a:solidFill>
-                <a:effectLst>
-                  <a:outerShdw blurRad="101600" dist="63500" dir="2700000" algn="tl" rotWithShape="0">
-                    <a:prstClr val="black">
-                      <a:alpha val="75000"/>
-                    </a:prstClr>
-                  </a:outerShdw>
-                </a:effectLst>
-                <a:latin typeface="+mn-lt"/>
-                <a:ea typeface="+mn-ea"/>
-                <a:cs typeface="+mn-cs"/>
-              </a:defRPr>
-            </a:lvl7pPr>
-            <a:lvl8pPr marL="3200400" indent="0" algn="ctr" defTabSz="914400" rtl="0" eaLnBrk="1" latinLnBrk="0" hangingPunct="1">
-              <a:spcBef>
-                <a:spcPct val="20000"/>
-              </a:spcBef>
-              <a:buFontTx/>
-              <a:buNone/>
-              <a:defRPr lang="en-US" sz="1800" b="1" kern="1200">
-                <a:solidFill>
-                  <a:schemeClr val="tx1">
-                    <a:tint val="75000"/>
-                  </a:schemeClr>
-                </a:solidFill>
-                <a:effectLst>
-                  <a:outerShdw blurRad="101600" dist="63500" dir="2700000" algn="tl" rotWithShape="0">
-                    <a:prstClr val="black">
-                      <a:alpha val="75000"/>
-                    </a:prstClr>
-                  </a:outerShdw>
-                </a:effectLst>
-                <a:latin typeface="+mn-lt"/>
-                <a:ea typeface="+mn-ea"/>
-                <a:cs typeface="+mn-cs"/>
-              </a:defRPr>
-            </a:lvl8pPr>
-            <a:lvl9pPr marL="3657600" indent="0" algn="ctr" defTabSz="914400" rtl="0" eaLnBrk="1" latinLnBrk="0" hangingPunct="1">
-              <a:spcBef>
-                <a:spcPct val="20000"/>
-              </a:spcBef>
-              <a:buFontTx/>
-              <a:buNone/>
-              <a:defRPr lang="en-US" sz="1800" b="1" kern="1200">
-                <a:solidFill>
-                  <a:schemeClr val="tx1">
-                    <a:tint val="75000"/>
-                  </a:schemeClr>
-                </a:solidFill>
-                <a:effectLst>
-                  <a:outerShdw blurRad="101600" dist="63500" dir="2700000" algn="tl" rotWithShape="0">
-                    <a:prstClr val="black">
-                      <a:alpha val="75000"/>
-                    </a:prstClr>
-                  </a:outerShdw>
-                </a:effectLst>
-                <a:latin typeface="+mn-lt"/>
-                <a:ea typeface="+mn-ea"/>
-                <a:cs typeface="+mn-cs"/>
-              </a:defRPr>
-            </a:lvl9pPr>
           </a:lstStyle>
           <a:p>
             <a:r>
-              <a:rPr lang="en-US" dirty="0" smtClean="0"/>
-              <a:t>Java Contract Number Extractor</a:t>
-            </a:r>
-            <a:endParaRPr lang="en-US" dirty="0"/>
+              <a:rPr lang="en-US" sz="1600" b="0" dirty="0">
+                <a:effectLst/>
+              </a:rPr>
+              <a:t>QA Fundamentals Course @ </a:t>
+            </a:r>
+            <a:r>
+              <a:rPr lang="en-US" sz="1600" b="0" dirty="0" err="1" smtClean="0">
+                <a:effectLst/>
+              </a:rPr>
+              <a:t>SoftUni</a:t>
+            </a:r>
+            <a:r>
+              <a:rPr lang="en-US" sz="1600" b="0" dirty="0" smtClean="0">
+                <a:effectLst/>
+              </a:rPr>
+              <a:t> 2015</a:t>
+            </a:r>
+            <a:endParaRPr lang="en-US" sz="1600" b="0" dirty="0">
+              <a:effectLst/>
+            </a:endParaRPr>
           </a:p>
         </p:txBody>
       </p:sp>
       <p:pic>
         <p:nvPicPr>
-          <p:cNvPr id="8" name="Picture 7" descr="MoleculeTracer.png"/>
+          <p:cNvPr id="15" name="Picture 14" descr="MoleculeTracer.png"/>
           <p:cNvPicPr>
             <a:picLocks noChangeAspect="1"/>
           </p:cNvPicPr>
@@ -5542,18 +6363,419 @@
         </p:blipFill>
         <p:spPr>
           <a:xfrm>
-            <a:off x="1744154" y="224679"/>
-            <a:ext cx="5795963" cy="3943372"/>
+            <a:off x="0" y="41894"/>
+            <a:ext cx="1191802" cy="810861"/>
           </a:xfrm>
           <a:prstGeom prst="rect">
             <a:avLst/>
           </a:prstGeom>
         </p:spPr>
       </p:pic>
+      <p:sp>
+        <p:nvSpPr>
+          <p:cNvPr id="23" name="Title 1"/>
+          <p:cNvSpPr txBox="1">
+            <a:spLocks/>
+          </p:cNvSpPr>
+          <p:nvPr/>
+        </p:nvSpPr>
+        <p:spPr>
+          <a:xfrm>
+            <a:off x="424446" y="65991"/>
+            <a:ext cx="2622408" cy="763726"/>
+          </a:xfrm>
+          <a:prstGeom prst="rect">
+            <a:avLst/>
+          </a:prstGeom>
+        </p:spPr>
+        <p:txBody>
+          <a:bodyPr vert="horz" lIns="91440" tIns="45720" rIns="91440" bIns="45720" rtlCol="0" anchor="ctr">
+            <a:noAutofit/>
+          </a:bodyPr>
+          <a:lstStyle>
+            <a:lvl1pPr algn="ctr" defTabSz="914400" rtl="0" eaLnBrk="1" latinLnBrk="0" hangingPunct="1">
+              <a:spcBef>
+                <a:spcPct val="0"/>
+              </a:spcBef>
+              <a:buNone/>
+              <a:defRPr sz="5600" b="1" kern="1200">
+                <a:solidFill>
+                  <a:schemeClr val="tx1"/>
+                </a:solidFill>
+                <a:effectLst>
+                  <a:outerShdw blurRad="101600" dist="63500" dir="2700000" algn="tl" rotWithShape="0">
+                    <a:prstClr val="black">
+                      <a:alpha val="75000"/>
+                    </a:prstClr>
+                  </a:outerShdw>
+                </a:effectLst>
+                <a:latin typeface="+mj-lt"/>
+                <a:ea typeface="+mj-ea"/>
+                <a:cs typeface="+mj-cs"/>
+              </a:defRPr>
+            </a:lvl1pPr>
+          </a:lstStyle>
+          <a:p>
+            <a:r>
+              <a:rPr lang="en-US" sz="3200" dirty="0" err="1" smtClean="0"/>
+              <a:t>JCNEx</a:t>
+            </a:r>
+            <a:endParaRPr lang="en-US" sz="3200" dirty="0"/>
+          </a:p>
+        </p:txBody>
+      </p:sp>
+      <p:sp>
+        <p:nvSpPr>
+          <p:cNvPr id="25" name="Subtitle 2"/>
+          <p:cNvSpPr txBox="1">
+            <a:spLocks/>
+          </p:cNvSpPr>
+          <p:nvPr/>
+        </p:nvSpPr>
+        <p:spPr>
+          <a:xfrm>
+            <a:off x="1116277" y="534735"/>
+            <a:ext cx="4210478" cy="555308"/>
+          </a:xfrm>
+          <a:prstGeom prst="rect">
+            <a:avLst/>
+          </a:prstGeom>
+        </p:spPr>
+        <p:txBody>
+          <a:bodyPr vert="horz" lIns="91440" tIns="45720" rIns="91440" bIns="45720" rtlCol="0">
+            <a:normAutofit/>
+          </a:bodyPr>
+          <a:lstStyle>
+            <a:lvl1pPr marL="403225" indent="-403225" algn="l" defTabSz="914400" rtl="0" eaLnBrk="1" latinLnBrk="0" hangingPunct="1">
+              <a:spcBef>
+                <a:spcPts val="2000"/>
+              </a:spcBef>
+              <a:buFontTx/>
+              <a:buBlip>
+                <a:blip r:embed="rId4"/>
+              </a:buBlip>
+              <a:defRPr sz="2400" b="1" kern="1200">
+                <a:solidFill>
+                  <a:schemeClr val="tx1"/>
+                </a:solidFill>
+                <a:effectLst>
+                  <a:outerShdw blurRad="101600" dist="63500" dir="2700000" algn="tl" rotWithShape="0">
+                    <a:prstClr val="black">
+                      <a:alpha val="75000"/>
+                    </a:prstClr>
+                  </a:outerShdw>
+                </a:effectLst>
+                <a:latin typeface="+mn-lt"/>
+                <a:ea typeface="+mn-ea"/>
+                <a:cs typeface="+mn-cs"/>
+              </a:defRPr>
+            </a:lvl1pPr>
+            <a:lvl2pPr marL="806450" indent="-403225" algn="l" defTabSz="914400" rtl="0" eaLnBrk="1" latinLnBrk="0" hangingPunct="1">
+              <a:spcBef>
+                <a:spcPts val="600"/>
+              </a:spcBef>
+              <a:buFontTx/>
+              <a:buBlip>
+                <a:blip r:embed="rId4"/>
+              </a:buBlip>
+              <a:defRPr sz="2200" b="1" kern="1200">
+                <a:solidFill>
+                  <a:schemeClr val="tx1"/>
+                </a:solidFill>
+                <a:effectLst>
+                  <a:outerShdw blurRad="101600" dist="63500" dir="2700000" algn="tl" rotWithShape="0">
+                    <a:prstClr val="black">
+                      <a:alpha val="75000"/>
+                    </a:prstClr>
+                  </a:outerShdw>
+                </a:effectLst>
+                <a:latin typeface="+mn-lt"/>
+                <a:ea typeface="+mn-ea"/>
+                <a:cs typeface="+mn-cs"/>
+              </a:defRPr>
+            </a:lvl2pPr>
+            <a:lvl3pPr marL="1143000" indent="-336550" algn="l" defTabSz="914400" rtl="0" eaLnBrk="1" latinLnBrk="0" hangingPunct="1">
+              <a:spcBef>
+                <a:spcPts val="600"/>
+              </a:spcBef>
+              <a:buFontTx/>
+              <a:buBlip>
+                <a:blip r:embed="rId4"/>
+              </a:buBlip>
+              <a:defRPr sz="2000" b="1" kern="1200">
+                <a:solidFill>
+                  <a:schemeClr val="tx1"/>
+                </a:solidFill>
+                <a:effectLst>
+                  <a:outerShdw blurRad="101600" dist="63500" dir="2700000" algn="tl" rotWithShape="0">
+                    <a:prstClr val="black">
+                      <a:alpha val="75000"/>
+                    </a:prstClr>
+                  </a:outerShdw>
+                </a:effectLst>
+                <a:latin typeface="+mn-lt"/>
+                <a:ea typeface="+mn-ea"/>
+                <a:cs typeface="+mn-cs"/>
+              </a:defRPr>
+            </a:lvl3pPr>
+            <a:lvl4pPr marL="1492250" indent="-349250" algn="l" defTabSz="914400" rtl="0" eaLnBrk="1" latinLnBrk="0" hangingPunct="1">
+              <a:spcBef>
+                <a:spcPts val="600"/>
+              </a:spcBef>
+              <a:buFontTx/>
+              <a:buBlip>
+                <a:blip r:embed="rId4"/>
+              </a:buBlip>
+              <a:defRPr sz="1800" b="1" kern="1200">
+                <a:solidFill>
+                  <a:schemeClr val="tx1"/>
+                </a:solidFill>
+                <a:effectLst>
+                  <a:outerShdw blurRad="101600" dist="63500" dir="2700000" algn="tl" rotWithShape="0">
+                    <a:prstClr val="black">
+                      <a:alpha val="75000"/>
+                    </a:prstClr>
+                  </a:outerShdw>
+                </a:effectLst>
+                <a:latin typeface="+mn-lt"/>
+                <a:ea typeface="+mn-ea"/>
+                <a:cs typeface="+mn-cs"/>
+              </a:defRPr>
+            </a:lvl4pPr>
+            <a:lvl5pPr marL="1828800" indent="-336550" algn="l" defTabSz="914400" rtl="0" eaLnBrk="1" latinLnBrk="0" hangingPunct="1">
+              <a:spcBef>
+                <a:spcPts val="600"/>
+              </a:spcBef>
+              <a:buFontTx/>
+              <a:buBlip>
+                <a:blip r:embed="rId4"/>
+              </a:buBlip>
+              <a:defRPr sz="1800" b="1" kern="1200">
+                <a:solidFill>
+                  <a:schemeClr val="tx1"/>
+                </a:solidFill>
+                <a:effectLst>
+                  <a:outerShdw blurRad="101600" dist="63500" dir="2700000" algn="tl" rotWithShape="0">
+                    <a:prstClr val="black">
+                      <a:alpha val="75000"/>
+                    </a:prstClr>
+                  </a:outerShdw>
+                </a:effectLst>
+                <a:latin typeface="+mn-lt"/>
+                <a:ea typeface="+mn-ea"/>
+                <a:cs typeface="+mn-cs"/>
+              </a:defRPr>
+            </a:lvl5pPr>
+            <a:lvl6pPr marL="2173288" indent="-344488" algn="l" defTabSz="914400" rtl="0" eaLnBrk="1" latinLnBrk="0" hangingPunct="1">
+              <a:spcBef>
+                <a:spcPct val="20000"/>
+              </a:spcBef>
+              <a:buFontTx/>
+              <a:buBlip>
+                <a:blip r:embed="rId4"/>
+              </a:buBlip>
+              <a:defRPr lang="en-US" sz="1800" b="1" kern="1200" dirty="0" smtClean="0">
+                <a:solidFill>
+                  <a:schemeClr val="tx1"/>
+                </a:solidFill>
+                <a:effectLst>
+                  <a:outerShdw blurRad="101600" dist="63500" dir="2700000" algn="tl" rotWithShape="0">
+                    <a:prstClr val="black">
+                      <a:alpha val="75000"/>
+                    </a:prstClr>
+                  </a:outerShdw>
+                </a:effectLst>
+                <a:latin typeface="+mn-lt"/>
+                <a:ea typeface="+mn-ea"/>
+                <a:cs typeface="+mn-cs"/>
+              </a:defRPr>
+            </a:lvl6pPr>
+            <a:lvl7pPr marL="2516188" indent="-344488" algn="l" defTabSz="914400" rtl="0" eaLnBrk="1" latinLnBrk="0" hangingPunct="1">
+              <a:spcBef>
+                <a:spcPct val="20000"/>
+              </a:spcBef>
+              <a:buFontTx/>
+              <a:buBlip>
+                <a:blip r:embed="rId4"/>
+              </a:buBlip>
+              <a:defRPr lang="en-US" sz="1800" b="1" kern="1200" dirty="0" smtClean="0">
+                <a:solidFill>
+                  <a:schemeClr val="tx1"/>
+                </a:solidFill>
+                <a:effectLst>
+                  <a:outerShdw blurRad="101600" dist="63500" dir="2700000" algn="tl" rotWithShape="0">
+                    <a:prstClr val="black">
+                      <a:alpha val="75000"/>
+                    </a:prstClr>
+                  </a:outerShdw>
+                </a:effectLst>
+                <a:latin typeface="+mn-lt"/>
+                <a:ea typeface="+mn-ea"/>
+                <a:cs typeface="+mn-cs"/>
+              </a:defRPr>
+            </a:lvl7pPr>
+            <a:lvl8pPr marL="2860675" indent="-344488" algn="l" defTabSz="914400" rtl="0" eaLnBrk="1" latinLnBrk="0" hangingPunct="1">
+              <a:spcBef>
+                <a:spcPct val="20000"/>
+              </a:spcBef>
+              <a:buFontTx/>
+              <a:buBlip>
+                <a:blip r:embed="rId4"/>
+              </a:buBlip>
+              <a:defRPr lang="en-US" sz="1800" b="1" kern="1200" dirty="0" smtClean="0">
+                <a:solidFill>
+                  <a:schemeClr val="tx1"/>
+                </a:solidFill>
+                <a:effectLst>
+                  <a:outerShdw blurRad="101600" dist="63500" dir="2700000" algn="tl" rotWithShape="0">
+                    <a:prstClr val="black">
+                      <a:alpha val="75000"/>
+                    </a:prstClr>
+                  </a:outerShdw>
+                </a:effectLst>
+                <a:latin typeface="+mn-lt"/>
+                <a:ea typeface="+mn-ea"/>
+                <a:cs typeface="+mn-cs"/>
+              </a:defRPr>
+            </a:lvl8pPr>
+            <a:lvl9pPr marL="3205163" indent="-344488" algn="l" defTabSz="914400" rtl="0" eaLnBrk="1" latinLnBrk="0" hangingPunct="1">
+              <a:spcBef>
+                <a:spcPct val="20000"/>
+              </a:spcBef>
+              <a:buFontTx/>
+              <a:buBlip>
+                <a:blip r:embed="rId4"/>
+              </a:buBlip>
+              <a:defRPr lang="en-US" sz="1800" b="1" kern="1200" dirty="0">
+                <a:solidFill>
+                  <a:schemeClr val="tx1"/>
+                </a:solidFill>
+                <a:effectLst>
+                  <a:outerShdw blurRad="101600" dist="63500" dir="2700000" algn="tl" rotWithShape="0">
+                    <a:prstClr val="black">
+                      <a:alpha val="75000"/>
+                    </a:prstClr>
+                  </a:outerShdw>
+                </a:effectLst>
+                <a:latin typeface="+mn-lt"/>
+                <a:ea typeface="+mn-ea"/>
+                <a:cs typeface="+mn-cs"/>
+              </a:defRPr>
+            </a:lvl9pPr>
+          </a:lstStyle>
+          <a:p>
+            <a:pPr marL="0" indent="0">
+              <a:buNone/>
+            </a:pPr>
+            <a:r>
+              <a:rPr lang="en-US" sz="1800" dirty="0" smtClean="0"/>
+              <a:t>by team “</a:t>
+            </a:r>
+            <a:r>
+              <a:rPr lang="en-US" sz="1800" dirty="0" err="1" smtClean="0"/>
+              <a:t>Bration</a:t>
+            </a:r>
+            <a:r>
+              <a:rPr lang="en-US" sz="1800" dirty="0" smtClean="0"/>
+              <a:t>”</a:t>
+            </a:r>
+            <a:endParaRPr lang="en-US" sz="1800" dirty="0"/>
+          </a:p>
+        </p:txBody>
+      </p:sp>
+      <p:sp>
+        <p:nvSpPr>
+          <p:cNvPr id="28" name="Title 1"/>
+          <p:cNvSpPr txBox="1">
+            <a:spLocks/>
+          </p:cNvSpPr>
+          <p:nvPr/>
+        </p:nvSpPr>
+        <p:spPr>
+          <a:xfrm>
+            <a:off x="1882990" y="1038135"/>
+            <a:ext cx="5021244" cy="837186"/>
+          </a:xfrm>
+          <a:prstGeom prst="rect">
+            <a:avLst/>
+          </a:prstGeom>
+        </p:spPr>
+        <p:txBody>
+          <a:bodyPr vert="horz" lIns="91440" tIns="45720" rIns="91440" bIns="45720" rtlCol="0" anchor="ctr">
+            <a:noAutofit/>
+          </a:bodyPr>
+          <a:lstStyle>
+            <a:lvl1pPr algn="ctr" defTabSz="914400" rtl="0" eaLnBrk="1" latinLnBrk="0" hangingPunct="1">
+              <a:spcBef>
+                <a:spcPct val="0"/>
+              </a:spcBef>
+              <a:buNone/>
+              <a:defRPr sz="5600" b="1" kern="1200">
+                <a:solidFill>
+                  <a:schemeClr val="tx1"/>
+                </a:solidFill>
+                <a:effectLst>
+                  <a:outerShdw blurRad="101600" dist="63500" dir="2700000" algn="tl" rotWithShape="0">
+                    <a:prstClr val="black">
+                      <a:alpha val="75000"/>
+                    </a:prstClr>
+                  </a:outerShdw>
+                </a:effectLst>
+                <a:latin typeface="+mj-lt"/>
+                <a:ea typeface="+mj-ea"/>
+                <a:cs typeface="+mj-cs"/>
+              </a:defRPr>
+            </a:lvl1pPr>
+          </a:lstStyle>
+          <a:p>
+            <a:r>
+              <a:rPr lang="en-US" dirty="0" smtClean="0"/>
+              <a:t>How it works..</a:t>
+            </a:r>
+            <a:endParaRPr lang="en-US" dirty="0"/>
+          </a:p>
+        </p:txBody>
+      </p:sp>
+      <p:sp>
+        <p:nvSpPr>
+          <p:cNvPr id="30" name="Content Placeholder 2"/>
+          <p:cNvSpPr>
+            <a:spLocks noGrp="1"/>
+          </p:cNvSpPr>
+          <p:nvPr>
+            <p:ph idx="1"/>
+          </p:nvPr>
+        </p:nvSpPr>
+        <p:spPr>
+          <a:xfrm>
+            <a:off x="778066" y="2135647"/>
+            <a:ext cx="7581901" cy="3953436"/>
+          </a:xfrm>
+        </p:spPr>
+        <p:txBody>
+          <a:bodyPr/>
+          <a:lstStyle/>
+          <a:p>
+            <a:r>
+              <a:rPr lang="en-US" dirty="0" smtClean="0"/>
+              <a:t>Explain </a:t>
+            </a:r>
+            <a:r>
+              <a:rPr lang="en-US" dirty="0" err="1" smtClean="0"/>
+              <a:t>JCNEx</a:t>
+            </a:r>
+            <a:r>
+              <a:rPr lang="en-US" dirty="0" smtClean="0"/>
+              <a:t> Functionality SRS document and how it can be use.</a:t>
+            </a:r>
+            <a:endParaRPr lang="en-US" dirty="0" smtClean="0"/>
+          </a:p>
+        </p:txBody>
+      </p:sp>
     </p:spTree>
     <p:extLst>
       <p:ext uri="{BB962C8B-B14F-4D97-AF65-F5344CB8AC3E}">
-        <p14:creationId xmlns:p14="http://schemas.microsoft.com/office/powerpoint/2010/main" val="3089163701"/>
+        <p14:creationId xmlns:p14="http://schemas.microsoft.com/office/powerpoint/2010/main" val="2416719487"/>
       </p:ext>
     </p:extLst>
   </p:cSld>
@@ -5563,7 +6785,573 @@
   <p:timing>
     <p:tnLst>
       <p:par>
-        <p:cTn xmlns:p14="http://schemas.microsoft.com/office/powerpoint/2010/main" id="1" dur="indefinite" restart="never" nodeType="tmRoot"/>
+        <p:cTn id="1" dur="indefinite" restart="never" nodeType="tmRoot"/>
+      </p:par>
+    </p:tnLst>
+  </p:timing>
+</p:sld>
+</file>
+
+<file path=ppt/slides/slide6.xml><?xml version="1.0" encoding="utf-8"?>
+<p:sld xmlns:a="http://schemas.openxmlformats.org/drawingml/2006/main" xmlns:r="http://schemas.openxmlformats.org/officeDocument/2006/relationships" xmlns:p="http://schemas.openxmlformats.org/presentationml/2006/main">
+  <p:cSld>
+    <p:spTree>
+      <p:nvGrpSpPr>
+        <p:cNvPr id="1" name=""/>
+        <p:cNvGrpSpPr/>
+        <p:nvPr/>
+      </p:nvGrpSpPr>
+      <p:grpSpPr>
+        <a:xfrm>
+          <a:off x="0" y="0"/>
+          <a:ext cx="0" cy="0"/>
+          <a:chOff x="0" y="0"/>
+          <a:chExt cx="0" cy="0"/>
+        </a:xfrm>
+      </p:grpSpPr>
+      <p:pic>
+        <p:nvPicPr>
+          <p:cNvPr id="22" name="Picture 21"/>
+          <p:cNvPicPr>
+            <a:picLocks noChangeAspect="1"/>
+          </p:cNvPicPr>
+          <p:nvPr/>
+        </p:nvPicPr>
+        <p:blipFill>
+          <a:blip r:embed="rId2"/>
+          <a:stretch>
+            <a:fillRect/>
+          </a:stretch>
+        </p:blipFill>
+        <p:spPr>
+          <a:xfrm>
+            <a:off x="7524314" y="171774"/>
+            <a:ext cx="1451391" cy="276080"/>
+          </a:xfrm>
+          <a:prstGeom prst="rect">
+            <a:avLst/>
+          </a:prstGeom>
+        </p:spPr>
+      </p:pic>
+      <p:sp>
+        <p:nvSpPr>
+          <p:cNvPr id="24" name="Title 1"/>
+          <p:cNvSpPr txBox="1">
+            <a:spLocks/>
+          </p:cNvSpPr>
+          <p:nvPr/>
+        </p:nvSpPr>
+        <p:spPr>
+          <a:xfrm>
+            <a:off x="2494099" y="6491937"/>
+            <a:ext cx="4155803" cy="327871"/>
+          </a:xfrm>
+          <a:prstGeom prst="rect">
+            <a:avLst/>
+          </a:prstGeom>
+          <a:noFill/>
+          <a:ln>
+            <a:noFill/>
+          </a:ln>
+          <a:effectLst/>
+        </p:spPr>
+        <p:style>
+          <a:lnRef idx="2">
+            <a:schemeClr val="dk1"/>
+          </a:lnRef>
+          <a:fillRef idx="1">
+            <a:schemeClr val="lt1"/>
+          </a:fillRef>
+          <a:effectRef idx="0">
+            <a:schemeClr val="dk1"/>
+          </a:effectRef>
+          <a:fontRef idx="minor">
+            <a:schemeClr val="dk1"/>
+          </a:fontRef>
+        </p:style>
+        <p:txBody>
+          <a:bodyPr vert="horz" lIns="91440" tIns="45720" rIns="91440" bIns="45720" rtlCol="0" anchor="ctr">
+            <a:noAutofit/>
+          </a:bodyPr>
+          <a:lstStyle>
+            <a:lvl1pPr algn="ctr" defTabSz="914400" rtl="0" eaLnBrk="1" latinLnBrk="0" hangingPunct="1">
+              <a:spcBef>
+                <a:spcPct val="0"/>
+              </a:spcBef>
+              <a:buNone/>
+              <a:defRPr sz="5600" b="1" kern="1200">
+                <a:solidFill>
+                  <a:schemeClr val="tx1"/>
+                </a:solidFill>
+                <a:effectLst>
+                  <a:outerShdw blurRad="101600" dist="63500" dir="2700000" algn="tl" rotWithShape="0">
+                    <a:prstClr val="black">
+                      <a:alpha val="75000"/>
+                    </a:prstClr>
+                  </a:outerShdw>
+                </a:effectLst>
+                <a:latin typeface="+mj-lt"/>
+                <a:ea typeface="+mj-ea"/>
+                <a:cs typeface="+mj-cs"/>
+              </a:defRPr>
+            </a:lvl1pPr>
+          </a:lstStyle>
+          <a:p>
+            <a:r>
+              <a:rPr lang="en-US" sz="1600" b="0" dirty="0">
+                <a:effectLst/>
+              </a:rPr>
+              <a:t>QA Fundamentals Course @ </a:t>
+            </a:r>
+            <a:r>
+              <a:rPr lang="en-US" sz="1600" b="0" dirty="0" err="1" smtClean="0">
+                <a:effectLst/>
+              </a:rPr>
+              <a:t>SoftUni</a:t>
+            </a:r>
+            <a:r>
+              <a:rPr lang="en-US" sz="1600" b="0" dirty="0" smtClean="0">
+                <a:effectLst/>
+              </a:rPr>
+              <a:t> 2015</a:t>
+            </a:r>
+            <a:endParaRPr lang="en-US" sz="1600" b="0" dirty="0">
+              <a:effectLst/>
+            </a:endParaRPr>
+          </a:p>
+        </p:txBody>
+      </p:sp>
+      <p:pic>
+        <p:nvPicPr>
+          <p:cNvPr id="15" name="Picture 14" descr="MoleculeTracer.png"/>
+          <p:cNvPicPr>
+            <a:picLocks noChangeAspect="1"/>
+          </p:cNvPicPr>
+          <p:nvPr/>
+        </p:nvPicPr>
+        <p:blipFill>
+          <a:blip r:embed="rId3"/>
+          <a:stretch>
+            <a:fillRect/>
+          </a:stretch>
+        </p:blipFill>
+        <p:spPr>
+          <a:xfrm>
+            <a:off x="0" y="41894"/>
+            <a:ext cx="1191802" cy="810861"/>
+          </a:xfrm>
+          <a:prstGeom prst="rect">
+            <a:avLst/>
+          </a:prstGeom>
+        </p:spPr>
+      </p:pic>
+      <p:sp>
+        <p:nvSpPr>
+          <p:cNvPr id="23" name="Title 1"/>
+          <p:cNvSpPr txBox="1">
+            <a:spLocks/>
+          </p:cNvSpPr>
+          <p:nvPr/>
+        </p:nvSpPr>
+        <p:spPr>
+          <a:xfrm>
+            <a:off x="424446" y="65991"/>
+            <a:ext cx="2622408" cy="763726"/>
+          </a:xfrm>
+          <a:prstGeom prst="rect">
+            <a:avLst/>
+          </a:prstGeom>
+        </p:spPr>
+        <p:txBody>
+          <a:bodyPr vert="horz" lIns="91440" tIns="45720" rIns="91440" bIns="45720" rtlCol="0" anchor="ctr">
+            <a:noAutofit/>
+          </a:bodyPr>
+          <a:lstStyle>
+            <a:lvl1pPr algn="ctr" defTabSz="914400" rtl="0" eaLnBrk="1" latinLnBrk="0" hangingPunct="1">
+              <a:spcBef>
+                <a:spcPct val="0"/>
+              </a:spcBef>
+              <a:buNone/>
+              <a:defRPr sz="5600" b="1" kern="1200">
+                <a:solidFill>
+                  <a:schemeClr val="tx1"/>
+                </a:solidFill>
+                <a:effectLst>
+                  <a:outerShdw blurRad="101600" dist="63500" dir="2700000" algn="tl" rotWithShape="0">
+                    <a:prstClr val="black">
+                      <a:alpha val="75000"/>
+                    </a:prstClr>
+                  </a:outerShdw>
+                </a:effectLst>
+                <a:latin typeface="+mj-lt"/>
+                <a:ea typeface="+mj-ea"/>
+                <a:cs typeface="+mj-cs"/>
+              </a:defRPr>
+            </a:lvl1pPr>
+          </a:lstStyle>
+          <a:p>
+            <a:r>
+              <a:rPr lang="en-US" sz="3200" dirty="0" err="1" smtClean="0"/>
+              <a:t>JCNEx</a:t>
+            </a:r>
+            <a:endParaRPr lang="en-US" sz="3200" dirty="0"/>
+          </a:p>
+        </p:txBody>
+      </p:sp>
+      <p:sp>
+        <p:nvSpPr>
+          <p:cNvPr id="25" name="Subtitle 2"/>
+          <p:cNvSpPr txBox="1">
+            <a:spLocks/>
+          </p:cNvSpPr>
+          <p:nvPr/>
+        </p:nvSpPr>
+        <p:spPr>
+          <a:xfrm>
+            <a:off x="1116277" y="534735"/>
+            <a:ext cx="4210478" cy="555308"/>
+          </a:xfrm>
+          <a:prstGeom prst="rect">
+            <a:avLst/>
+          </a:prstGeom>
+        </p:spPr>
+        <p:txBody>
+          <a:bodyPr vert="horz" lIns="91440" tIns="45720" rIns="91440" bIns="45720" rtlCol="0">
+            <a:normAutofit/>
+          </a:bodyPr>
+          <a:lstStyle>
+            <a:lvl1pPr marL="403225" indent="-403225" algn="l" defTabSz="914400" rtl="0" eaLnBrk="1" latinLnBrk="0" hangingPunct="1">
+              <a:spcBef>
+                <a:spcPts val="2000"/>
+              </a:spcBef>
+              <a:buFontTx/>
+              <a:buBlip>
+                <a:blip r:embed="rId4"/>
+              </a:buBlip>
+              <a:defRPr sz="2400" b="1" kern="1200">
+                <a:solidFill>
+                  <a:schemeClr val="tx1"/>
+                </a:solidFill>
+                <a:effectLst>
+                  <a:outerShdw blurRad="101600" dist="63500" dir="2700000" algn="tl" rotWithShape="0">
+                    <a:prstClr val="black">
+                      <a:alpha val="75000"/>
+                    </a:prstClr>
+                  </a:outerShdw>
+                </a:effectLst>
+                <a:latin typeface="+mn-lt"/>
+                <a:ea typeface="+mn-ea"/>
+                <a:cs typeface="+mn-cs"/>
+              </a:defRPr>
+            </a:lvl1pPr>
+            <a:lvl2pPr marL="806450" indent="-403225" algn="l" defTabSz="914400" rtl="0" eaLnBrk="1" latinLnBrk="0" hangingPunct="1">
+              <a:spcBef>
+                <a:spcPts val="600"/>
+              </a:spcBef>
+              <a:buFontTx/>
+              <a:buBlip>
+                <a:blip r:embed="rId4"/>
+              </a:buBlip>
+              <a:defRPr sz="2200" b="1" kern="1200">
+                <a:solidFill>
+                  <a:schemeClr val="tx1"/>
+                </a:solidFill>
+                <a:effectLst>
+                  <a:outerShdw blurRad="101600" dist="63500" dir="2700000" algn="tl" rotWithShape="0">
+                    <a:prstClr val="black">
+                      <a:alpha val="75000"/>
+                    </a:prstClr>
+                  </a:outerShdw>
+                </a:effectLst>
+                <a:latin typeface="+mn-lt"/>
+                <a:ea typeface="+mn-ea"/>
+                <a:cs typeface="+mn-cs"/>
+              </a:defRPr>
+            </a:lvl2pPr>
+            <a:lvl3pPr marL="1143000" indent="-336550" algn="l" defTabSz="914400" rtl="0" eaLnBrk="1" latinLnBrk="0" hangingPunct="1">
+              <a:spcBef>
+                <a:spcPts val="600"/>
+              </a:spcBef>
+              <a:buFontTx/>
+              <a:buBlip>
+                <a:blip r:embed="rId4"/>
+              </a:buBlip>
+              <a:defRPr sz="2000" b="1" kern="1200">
+                <a:solidFill>
+                  <a:schemeClr val="tx1"/>
+                </a:solidFill>
+                <a:effectLst>
+                  <a:outerShdw blurRad="101600" dist="63500" dir="2700000" algn="tl" rotWithShape="0">
+                    <a:prstClr val="black">
+                      <a:alpha val="75000"/>
+                    </a:prstClr>
+                  </a:outerShdw>
+                </a:effectLst>
+                <a:latin typeface="+mn-lt"/>
+                <a:ea typeface="+mn-ea"/>
+                <a:cs typeface="+mn-cs"/>
+              </a:defRPr>
+            </a:lvl3pPr>
+            <a:lvl4pPr marL="1492250" indent="-349250" algn="l" defTabSz="914400" rtl="0" eaLnBrk="1" latinLnBrk="0" hangingPunct="1">
+              <a:spcBef>
+                <a:spcPts val="600"/>
+              </a:spcBef>
+              <a:buFontTx/>
+              <a:buBlip>
+                <a:blip r:embed="rId4"/>
+              </a:buBlip>
+              <a:defRPr sz="1800" b="1" kern="1200">
+                <a:solidFill>
+                  <a:schemeClr val="tx1"/>
+                </a:solidFill>
+                <a:effectLst>
+                  <a:outerShdw blurRad="101600" dist="63500" dir="2700000" algn="tl" rotWithShape="0">
+                    <a:prstClr val="black">
+                      <a:alpha val="75000"/>
+                    </a:prstClr>
+                  </a:outerShdw>
+                </a:effectLst>
+                <a:latin typeface="+mn-lt"/>
+                <a:ea typeface="+mn-ea"/>
+                <a:cs typeface="+mn-cs"/>
+              </a:defRPr>
+            </a:lvl4pPr>
+            <a:lvl5pPr marL="1828800" indent="-336550" algn="l" defTabSz="914400" rtl="0" eaLnBrk="1" latinLnBrk="0" hangingPunct="1">
+              <a:spcBef>
+                <a:spcPts val="600"/>
+              </a:spcBef>
+              <a:buFontTx/>
+              <a:buBlip>
+                <a:blip r:embed="rId4"/>
+              </a:buBlip>
+              <a:defRPr sz="1800" b="1" kern="1200">
+                <a:solidFill>
+                  <a:schemeClr val="tx1"/>
+                </a:solidFill>
+                <a:effectLst>
+                  <a:outerShdw blurRad="101600" dist="63500" dir="2700000" algn="tl" rotWithShape="0">
+                    <a:prstClr val="black">
+                      <a:alpha val="75000"/>
+                    </a:prstClr>
+                  </a:outerShdw>
+                </a:effectLst>
+                <a:latin typeface="+mn-lt"/>
+                <a:ea typeface="+mn-ea"/>
+                <a:cs typeface="+mn-cs"/>
+              </a:defRPr>
+            </a:lvl5pPr>
+            <a:lvl6pPr marL="2173288" indent="-344488" algn="l" defTabSz="914400" rtl="0" eaLnBrk="1" latinLnBrk="0" hangingPunct="1">
+              <a:spcBef>
+                <a:spcPct val="20000"/>
+              </a:spcBef>
+              <a:buFontTx/>
+              <a:buBlip>
+                <a:blip r:embed="rId4"/>
+              </a:buBlip>
+              <a:defRPr lang="en-US" sz="1800" b="1" kern="1200" dirty="0" smtClean="0">
+                <a:solidFill>
+                  <a:schemeClr val="tx1"/>
+                </a:solidFill>
+                <a:effectLst>
+                  <a:outerShdw blurRad="101600" dist="63500" dir="2700000" algn="tl" rotWithShape="0">
+                    <a:prstClr val="black">
+                      <a:alpha val="75000"/>
+                    </a:prstClr>
+                  </a:outerShdw>
+                </a:effectLst>
+                <a:latin typeface="+mn-lt"/>
+                <a:ea typeface="+mn-ea"/>
+                <a:cs typeface="+mn-cs"/>
+              </a:defRPr>
+            </a:lvl6pPr>
+            <a:lvl7pPr marL="2516188" indent="-344488" algn="l" defTabSz="914400" rtl="0" eaLnBrk="1" latinLnBrk="0" hangingPunct="1">
+              <a:spcBef>
+                <a:spcPct val="20000"/>
+              </a:spcBef>
+              <a:buFontTx/>
+              <a:buBlip>
+                <a:blip r:embed="rId4"/>
+              </a:buBlip>
+              <a:defRPr lang="en-US" sz="1800" b="1" kern="1200" dirty="0" smtClean="0">
+                <a:solidFill>
+                  <a:schemeClr val="tx1"/>
+                </a:solidFill>
+                <a:effectLst>
+                  <a:outerShdw blurRad="101600" dist="63500" dir="2700000" algn="tl" rotWithShape="0">
+                    <a:prstClr val="black">
+                      <a:alpha val="75000"/>
+                    </a:prstClr>
+                  </a:outerShdw>
+                </a:effectLst>
+                <a:latin typeface="+mn-lt"/>
+                <a:ea typeface="+mn-ea"/>
+                <a:cs typeface="+mn-cs"/>
+              </a:defRPr>
+            </a:lvl7pPr>
+            <a:lvl8pPr marL="2860675" indent="-344488" algn="l" defTabSz="914400" rtl="0" eaLnBrk="1" latinLnBrk="0" hangingPunct="1">
+              <a:spcBef>
+                <a:spcPct val="20000"/>
+              </a:spcBef>
+              <a:buFontTx/>
+              <a:buBlip>
+                <a:blip r:embed="rId4"/>
+              </a:buBlip>
+              <a:defRPr lang="en-US" sz="1800" b="1" kern="1200" dirty="0" smtClean="0">
+                <a:solidFill>
+                  <a:schemeClr val="tx1"/>
+                </a:solidFill>
+                <a:effectLst>
+                  <a:outerShdw blurRad="101600" dist="63500" dir="2700000" algn="tl" rotWithShape="0">
+                    <a:prstClr val="black">
+                      <a:alpha val="75000"/>
+                    </a:prstClr>
+                  </a:outerShdw>
+                </a:effectLst>
+                <a:latin typeface="+mn-lt"/>
+                <a:ea typeface="+mn-ea"/>
+                <a:cs typeface="+mn-cs"/>
+              </a:defRPr>
+            </a:lvl8pPr>
+            <a:lvl9pPr marL="3205163" indent="-344488" algn="l" defTabSz="914400" rtl="0" eaLnBrk="1" latinLnBrk="0" hangingPunct="1">
+              <a:spcBef>
+                <a:spcPct val="20000"/>
+              </a:spcBef>
+              <a:buFontTx/>
+              <a:buBlip>
+                <a:blip r:embed="rId4"/>
+              </a:buBlip>
+              <a:defRPr lang="en-US" sz="1800" b="1" kern="1200" dirty="0">
+                <a:solidFill>
+                  <a:schemeClr val="tx1"/>
+                </a:solidFill>
+                <a:effectLst>
+                  <a:outerShdw blurRad="101600" dist="63500" dir="2700000" algn="tl" rotWithShape="0">
+                    <a:prstClr val="black">
+                      <a:alpha val="75000"/>
+                    </a:prstClr>
+                  </a:outerShdw>
+                </a:effectLst>
+                <a:latin typeface="+mn-lt"/>
+                <a:ea typeface="+mn-ea"/>
+                <a:cs typeface="+mn-cs"/>
+              </a:defRPr>
+            </a:lvl9pPr>
+          </a:lstStyle>
+          <a:p>
+            <a:pPr marL="0" indent="0">
+              <a:buNone/>
+            </a:pPr>
+            <a:r>
+              <a:rPr lang="en-US" sz="1800" dirty="0" smtClean="0"/>
+              <a:t>by team “</a:t>
+            </a:r>
+            <a:r>
+              <a:rPr lang="en-US" sz="1800" dirty="0" err="1" smtClean="0"/>
+              <a:t>Bration</a:t>
+            </a:r>
+            <a:r>
+              <a:rPr lang="en-US" sz="1800" dirty="0" smtClean="0"/>
+              <a:t>”</a:t>
+            </a:r>
+            <a:endParaRPr lang="en-US" sz="1800" dirty="0"/>
+          </a:p>
+        </p:txBody>
+      </p:sp>
+      <p:sp>
+        <p:nvSpPr>
+          <p:cNvPr id="28" name="Title 1"/>
+          <p:cNvSpPr txBox="1">
+            <a:spLocks/>
+          </p:cNvSpPr>
+          <p:nvPr/>
+        </p:nvSpPr>
+        <p:spPr>
+          <a:xfrm>
+            <a:off x="1882990" y="1038135"/>
+            <a:ext cx="5021244" cy="837186"/>
+          </a:xfrm>
+          <a:prstGeom prst="rect">
+            <a:avLst/>
+          </a:prstGeom>
+        </p:spPr>
+        <p:txBody>
+          <a:bodyPr vert="horz" lIns="91440" tIns="45720" rIns="91440" bIns="45720" rtlCol="0" anchor="ctr">
+            <a:noAutofit/>
+          </a:bodyPr>
+          <a:lstStyle>
+            <a:lvl1pPr algn="ctr" defTabSz="914400" rtl="0" eaLnBrk="1" latinLnBrk="0" hangingPunct="1">
+              <a:spcBef>
+                <a:spcPct val="0"/>
+              </a:spcBef>
+              <a:buNone/>
+              <a:defRPr sz="5600" b="1" kern="1200">
+                <a:solidFill>
+                  <a:schemeClr val="tx1"/>
+                </a:solidFill>
+                <a:effectLst>
+                  <a:outerShdw blurRad="101600" dist="63500" dir="2700000" algn="tl" rotWithShape="0">
+                    <a:prstClr val="black">
+                      <a:alpha val="75000"/>
+                    </a:prstClr>
+                  </a:outerShdw>
+                </a:effectLst>
+                <a:latin typeface="+mj-lt"/>
+                <a:ea typeface="+mj-ea"/>
+                <a:cs typeface="+mj-cs"/>
+              </a:defRPr>
+            </a:lvl1pPr>
+          </a:lstStyle>
+          <a:p>
+            <a:r>
+              <a:rPr lang="en-US" dirty="0" smtClean="0"/>
+              <a:t>How to test..</a:t>
+            </a:r>
+            <a:endParaRPr lang="en-US" dirty="0"/>
+          </a:p>
+        </p:txBody>
+      </p:sp>
+      <p:sp>
+        <p:nvSpPr>
+          <p:cNvPr id="30" name="Content Placeholder 2"/>
+          <p:cNvSpPr>
+            <a:spLocks noGrp="1"/>
+          </p:cNvSpPr>
+          <p:nvPr>
+            <p:ph idx="1"/>
+          </p:nvPr>
+        </p:nvSpPr>
+        <p:spPr>
+          <a:xfrm>
+            <a:off x="778066" y="2135647"/>
+            <a:ext cx="7581901" cy="3953436"/>
+          </a:xfrm>
+        </p:spPr>
+        <p:txBody>
+          <a:bodyPr/>
+          <a:lstStyle/>
+          <a:p>
+            <a:r>
+              <a:rPr lang="en-US" dirty="0" smtClean="0"/>
+              <a:t>Explain how Test plan and test methodology</a:t>
+            </a:r>
+            <a:endParaRPr lang="en-US" dirty="0" smtClean="0"/>
+          </a:p>
+        </p:txBody>
+      </p:sp>
+    </p:spTree>
+    <p:extLst>
+      <p:ext uri="{BB962C8B-B14F-4D97-AF65-F5344CB8AC3E}">
+        <p14:creationId xmlns:p14="http://schemas.microsoft.com/office/powerpoint/2010/main" val="2059029801"/>
+      </p:ext>
+    </p:extLst>
+  </p:cSld>
+  <p:clrMapOvr>
+    <a:masterClrMapping/>
+  </p:clrMapOvr>
+  <p:timing>
+    <p:tnLst>
+      <p:par>
+        <p:cTn id="1" dur="indefinite" restart="never" nodeType="tmRoot"/>
       </p:par>
     </p:tnLst>
   </p:timing>
